--- a/powerpoints/Day_16.pptx
+++ b/powerpoints/Day_16.pptx
@@ -5,17 +5,22 @@
     <p:sldMasterId id="2147483661" r:id="rId1"/>
   </p:sldMasterIdLst>
   <p:notesMasterIdLst>
-    <p:notesMasterId r:id="rId10"/>
+    <p:notesMasterId r:id="rId15"/>
   </p:notesMasterIdLst>
   <p:sldIdLst>
     <p:sldId id="256" r:id="rId2"/>
     <p:sldId id="273" r:id="rId3"/>
     <p:sldId id="274" r:id="rId4"/>
-    <p:sldId id="280" r:id="rId5"/>
-    <p:sldId id="276" r:id="rId6"/>
-    <p:sldId id="275" r:id="rId7"/>
-    <p:sldId id="279" r:id="rId8"/>
-    <p:sldId id="272" r:id="rId9"/>
+    <p:sldId id="276" r:id="rId5"/>
+    <p:sldId id="275" r:id="rId6"/>
+    <p:sldId id="279" r:id="rId7"/>
+    <p:sldId id="277" r:id="rId8"/>
+    <p:sldId id="297" r:id="rId9"/>
+    <p:sldId id="298" r:id="rId10"/>
+    <p:sldId id="281" r:id="rId11"/>
+    <p:sldId id="282" r:id="rId12"/>
+    <p:sldId id="280" r:id="rId13"/>
+    <p:sldId id="272" r:id="rId14"/>
   </p:sldIdLst>
   <p:sldSz cx="9144000" cy="6858000" type="screen4x3"/>
   <p:notesSz cx="7010400" cy="9296400"/>
@@ -1932,7 +1937,7 @@
                 <a:cs typeface="Calibri"/>
                 <a:sym typeface="Calibri"/>
               </a:rPr>
-              <a:t>6</a:t>
+              <a:t>5</a:t>
             </a:fld>
             <a:endParaRPr lang="en-US" sz="1200" b="0" i="0" u="none" strike="noStrike" cap="none">
               <a:solidFill>
@@ -1960,6 +1965,437 @@
 </file>
 
 <file path=ppt/notesSlides/notesSlide3.xml><?xml version="1.0" encoding="utf-8"?>
+<p:notes xmlns:a="http://schemas.openxmlformats.org/drawingml/2006/main" xmlns:r="http://schemas.openxmlformats.org/officeDocument/2006/relationships" xmlns:p="http://schemas.openxmlformats.org/presentationml/2006/main" showMasterSp="0" showMasterPhAnim="0">
+  <p:cSld>
+    <p:spTree>
+      <p:nvGrpSpPr>
+        <p:cNvPr id="1" name="Shape 221"/>
+        <p:cNvGrpSpPr/>
+        <p:nvPr/>
+      </p:nvGrpSpPr>
+      <p:grpSpPr>
+        <a:xfrm>
+          <a:off x="0" y="0"/>
+          <a:ext cx="0" cy="0"/>
+          <a:chOff x="0" y="0"/>
+          <a:chExt cx="0" cy="0"/>
+        </a:xfrm>
+      </p:grpSpPr>
+      <p:sp>
+        <p:nvSpPr>
+          <p:cNvPr id="222" name="Google Shape;222;p3:notes"/>
+          <p:cNvSpPr txBox="1">
+            <a:spLocks noGrp="1"/>
+          </p:cNvSpPr>
+          <p:nvPr>
+            <p:ph type="body" idx="1"/>
+          </p:nvPr>
+        </p:nvSpPr>
+        <p:spPr>
+          <a:xfrm>
+            <a:off x="701040" y="4415790"/>
+            <a:ext cx="5608320" cy="4183380"/>
+          </a:xfrm>
+          <a:prstGeom prst="rect">
+            <a:avLst/>
+          </a:prstGeom>
+        </p:spPr>
+        <p:txBody>
+          <a:bodyPr spcFirstLastPara="1" wrap="square" lIns="93150" tIns="46575" rIns="93150" bIns="46575" anchor="t" anchorCtr="0">
+            <a:noAutofit/>
+          </a:bodyPr>
+          <a:lstStyle/>
+          <a:p>
+            <a:pPr marL="0" lvl="0" indent="0" algn="l" rtl="0">
+              <a:spcBef>
+                <a:spcPts val="0"/>
+              </a:spcBef>
+              <a:spcAft>
+                <a:spcPts val="0"/>
+              </a:spcAft>
+              <a:buNone/>
+            </a:pPr>
+            <a:endParaRPr/>
+          </a:p>
+        </p:txBody>
+      </p:sp>
+      <p:sp>
+        <p:nvSpPr>
+          <p:cNvPr id="223" name="Google Shape;223;p3:notes"/>
+          <p:cNvSpPr>
+            <a:spLocks noGrp="1" noRot="1" noChangeAspect="1"/>
+          </p:cNvSpPr>
+          <p:nvPr>
+            <p:ph type="sldImg" idx="2"/>
+          </p:nvPr>
+        </p:nvSpPr>
+        <p:spPr>
+          <a:xfrm>
+            <a:off x="1181100" y="696913"/>
+            <a:ext cx="4648200" cy="3486150"/>
+          </a:xfrm>
+          <a:custGeom>
+            <a:avLst/>
+            <a:gdLst/>
+            <a:ahLst/>
+            <a:cxnLst/>
+            <a:rect l="l" t="t" r="r" b="b"/>
+            <a:pathLst>
+              <a:path w="120000" h="120000" extrusionOk="0">
+                <a:moveTo>
+                  <a:pt x="0" y="0"/>
+                </a:moveTo>
+                <a:lnTo>
+                  <a:pt x="120000" y="0"/>
+                </a:lnTo>
+                <a:lnTo>
+                  <a:pt x="120000" y="120000"/>
+                </a:lnTo>
+                <a:lnTo>
+                  <a:pt x="0" y="120000"/>
+                </a:lnTo>
+                <a:close/>
+              </a:path>
+            </a:pathLst>
+          </a:custGeom>
+        </p:spPr>
+      </p:sp>
+    </p:spTree>
+  </p:cSld>
+  <p:clrMapOvr>
+    <a:masterClrMapping/>
+  </p:clrMapOvr>
+</p:notes>
+</file>
+
+<file path=ppt/notesSlides/notesSlide4.xml><?xml version="1.0" encoding="utf-8"?>
+<p:notes xmlns:a="http://schemas.openxmlformats.org/drawingml/2006/main" xmlns:r="http://schemas.openxmlformats.org/officeDocument/2006/relationships" xmlns:p="http://schemas.openxmlformats.org/presentationml/2006/main" showMasterSp="0" showMasterPhAnim="0">
+  <p:cSld>
+    <p:spTree>
+      <p:nvGrpSpPr>
+        <p:cNvPr id="1" name="Shape 221"/>
+        <p:cNvGrpSpPr/>
+        <p:nvPr/>
+      </p:nvGrpSpPr>
+      <p:grpSpPr>
+        <a:xfrm>
+          <a:off x="0" y="0"/>
+          <a:ext cx="0" cy="0"/>
+          <a:chOff x="0" y="0"/>
+          <a:chExt cx="0" cy="0"/>
+        </a:xfrm>
+      </p:grpSpPr>
+      <p:sp>
+        <p:nvSpPr>
+          <p:cNvPr id="222" name="Google Shape;222;p3:notes"/>
+          <p:cNvSpPr txBox="1">
+            <a:spLocks noGrp="1"/>
+          </p:cNvSpPr>
+          <p:nvPr>
+            <p:ph type="body" idx="1"/>
+          </p:nvPr>
+        </p:nvSpPr>
+        <p:spPr>
+          <a:xfrm>
+            <a:off x="701040" y="4415790"/>
+            <a:ext cx="5608320" cy="4183380"/>
+          </a:xfrm>
+          <a:prstGeom prst="rect">
+            <a:avLst/>
+          </a:prstGeom>
+        </p:spPr>
+        <p:txBody>
+          <a:bodyPr spcFirstLastPara="1" wrap="square" lIns="93150" tIns="46575" rIns="93150" bIns="46575" anchor="t" anchorCtr="0">
+            <a:noAutofit/>
+          </a:bodyPr>
+          <a:lstStyle/>
+          <a:p>
+            <a:pPr marL="0" lvl="0" indent="0" algn="l" rtl="0">
+              <a:spcBef>
+                <a:spcPts val="0"/>
+              </a:spcBef>
+              <a:spcAft>
+                <a:spcPts val="0"/>
+              </a:spcAft>
+              <a:buNone/>
+            </a:pPr>
+            <a:endParaRPr/>
+          </a:p>
+        </p:txBody>
+      </p:sp>
+      <p:sp>
+        <p:nvSpPr>
+          <p:cNvPr id="223" name="Google Shape;223;p3:notes"/>
+          <p:cNvSpPr>
+            <a:spLocks noGrp="1" noRot="1" noChangeAspect="1"/>
+          </p:cNvSpPr>
+          <p:nvPr>
+            <p:ph type="sldImg" idx="2"/>
+          </p:nvPr>
+        </p:nvSpPr>
+        <p:spPr>
+          <a:xfrm>
+            <a:off x="1181100" y="696913"/>
+            <a:ext cx="4648200" cy="3486150"/>
+          </a:xfrm>
+          <a:custGeom>
+            <a:avLst/>
+            <a:gdLst/>
+            <a:ahLst/>
+            <a:cxnLst/>
+            <a:rect l="l" t="t" r="r" b="b"/>
+            <a:pathLst>
+              <a:path w="120000" h="120000" extrusionOk="0">
+                <a:moveTo>
+                  <a:pt x="0" y="0"/>
+                </a:moveTo>
+                <a:lnTo>
+                  <a:pt x="120000" y="0"/>
+                </a:lnTo>
+                <a:lnTo>
+                  <a:pt x="120000" y="120000"/>
+                </a:lnTo>
+                <a:lnTo>
+                  <a:pt x="0" y="120000"/>
+                </a:lnTo>
+                <a:close/>
+              </a:path>
+            </a:pathLst>
+          </a:custGeom>
+        </p:spPr>
+      </p:sp>
+    </p:spTree>
+    <p:extLst>
+      <p:ext uri="{BB962C8B-B14F-4D97-AF65-F5344CB8AC3E}">
+        <p14:creationId xmlns:p14="http://schemas.microsoft.com/office/powerpoint/2010/main" val="2159341856"/>
+      </p:ext>
+    </p:extLst>
+  </p:cSld>
+  <p:clrMapOvr>
+    <a:masterClrMapping/>
+  </p:clrMapOvr>
+</p:notes>
+</file>
+
+<file path=ppt/notesSlides/notesSlide5.xml><?xml version="1.0" encoding="utf-8"?>
+<p:notes xmlns:a="http://schemas.openxmlformats.org/drawingml/2006/main" xmlns:r="http://schemas.openxmlformats.org/officeDocument/2006/relationships" xmlns:p="http://schemas.openxmlformats.org/presentationml/2006/main" showMasterSp="0" showMasterPhAnim="0">
+  <p:cSld>
+    <p:spTree>
+      <p:nvGrpSpPr>
+        <p:cNvPr id="1" name="Shape 221"/>
+        <p:cNvGrpSpPr/>
+        <p:nvPr/>
+      </p:nvGrpSpPr>
+      <p:grpSpPr>
+        <a:xfrm>
+          <a:off x="0" y="0"/>
+          <a:ext cx="0" cy="0"/>
+          <a:chOff x="0" y="0"/>
+          <a:chExt cx="0" cy="0"/>
+        </a:xfrm>
+      </p:grpSpPr>
+      <p:sp>
+        <p:nvSpPr>
+          <p:cNvPr id="222" name="Google Shape;222;p3:notes"/>
+          <p:cNvSpPr txBox="1">
+            <a:spLocks noGrp="1"/>
+          </p:cNvSpPr>
+          <p:nvPr>
+            <p:ph type="body" idx="1"/>
+          </p:nvPr>
+        </p:nvSpPr>
+        <p:spPr>
+          <a:xfrm>
+            <a:off x="701040" y="4415790"/>
+            <a:ext cx="5608320" cy="4183380"/>
+          </a:xfrm>
+          <a:prstGeom prst="rect">
+            <a:avLst/>
+          </a:prstGeom>
+        </p:spPr>
+        <p:txBody>
+          <a:bodyPr spcFirstLastPara="1" wrap="square" lIns="93150" tIns="46575" rIns="93150" bIns="46575" anchor="t" anchorCtr="0">
+            <a:noAutofit/>
+          </a:bodyPr>
+          <a:lstStyle/>
+          <a:p>
+            <a:pPr marL="0" lvl="0" indent="0" algn="l" rtl="0">
+              <a:spcBef>
+                <a:spcPts val="0"/>
+              </a:spcBef>
+              <a:spcAft>
+                <a:spcPts val="0"/>
+              </a:spcAft>
+              <a:buNone/>
+            </a:pPr>
+            <a:endParaRPr/>
+          </a:p>
+        </p:txBody>
+      </p:sp>
+      <p:sp>
+        <p:nvSpPr>
+          <p:cNvPr id="223" name="Google Shape;223;p3:notes"/>
+          <p:cNvSpPr>
+            <a:spLocks noGrp="1" noRot="1" noChangeAspect="1"/>
+          </p:cNvSpPr>
+          <p:nvPr>
+            <p:ph type="sldImg" idx="2"/>
+          </p:nvPr>
+        </p:nvSpPr>
+        <p:spPr>
+          <a:xfrm>
+            <a:off x="1181100" y="696913"/>
+            <a:ext cx="4648200" cy="3486150"/>
+          </a:xfrm>
+          <a:custGeom>
+            <a:avLst/>
+            <a:gdLst/>
+            <a:ahLst/>
+            <a:cxnLst/>
+            <a:rect l="l" t="t" r="r" b="b"/>
+            <a:pathLst>
+              <a:path w="120000" h="120000" extrusionOk="0">
+                <a:moveTo>
+                  <a:pt x="0" y="0"/>
+                </a:moveTo>
+                <a:lnTo>
+                  <a:pt x="120000" y="0"/>
+                </a:lnTo>
+                <a:lnTo>
+                  <a:pt x="120000" y="120000"/>
+                </a:lnTo>
+                <a:lnTo>
+                  <a:pt x="0" y="120000"/>
+                </a:lnTo>
+                <a:close/>
+              </a:path>
+            </a:pathLst>
+          </a:custGeom>
+        </p:spPr>
+      </p:sp>
+    </p:spTree>
+    <p:extLst>
+      <p:ext uri="{BB962C8B-B14F-4D97-AF65-F5344CB8AC3E}">
+        <p14:creationId xmlns:p14="http://schemas.microsoft.com/office/powerpoint/2010/main" val="435473503"/>
+      </p:ext>
+    </p:extLst>
+  </p:cSld>
+  <p:clrMapOvr>
+    <a:masterClrMapping/>
+  </p:clrMapOvr>
+</p:notes>
+</file>
+
+<file path=ppt/notesSlides/notesSlide6.xml><?xml version="1.0" encoding="utf-8"?>
+<p:notes xmlns:a="http://schemas.openxmlformats.org/drawingml/2006/main" xmlns:r="http://schemas.openxmlformats.org/officeDocument/2006/relationships" xmlns:p="http://schemas.openxmlformats.org/presentationml/2006/main" showMasterSp="0" showMasterPhAnim="0">
+  <p:cSld>
+    <p:spTree>
+      <p:nvGrpSpPr>
+        <p:cNvPr id="1" name="Shape 221"/>
+        <p:cNvGrpSpPr/>
+        <p:nvPr/>
+      </p:nvGrpSpPr>
+      <p:grpSpPr>
+        <a:xfrm>
+          <a:off x="0" y="0"/>
+          <a:ext cx="0" cy="0"/>
+          <a:chOff x="0" y="0"/>
+          <a:chExt cx="0" cy="0"/>
+        </a:xfrm>
+      </p:grpSpPr>
+      <p:sp>
+        <p:nvSpPr>
+          <p:cNvPr id="222" name="Google Shape;222;p3:notes"/>
+          <p:cNvSpPr txBox="1">
+            <a:spLocks noGrp="1"/>
+          </p:cNvSpPr>
+          <p:nvPr>
+            <p:ph type="body" idx="1"/>
+          </p:nvPr>
+        </p:nvSpPr>
+        <p:spPr>
+          <a:xfrm>
+            <a:off x="701040" y="4415790"/>
+            <a:ext cx="5608320" cy="4183380"/>
+          </a:xfrm>
+          <a:prstGeom prst="rect">
+            <a:avLst/>
+          </a:prstGeom>
+        </p:spPr>
+        <p:txBody>
+          <a:bodyPr spcFirstLastPara="1" wrap="square" lIns="93150" tIns="46575" rIns="93150" bIns="46575" anchor="t" anchorCtr="0">
+            <a:noAutofit/>
+          </a:bodyPr>
+          <a:lstStyle/>
+          <a:p>
+            <a:pPr marL="0" lvl="0" indent="0" algn="l" rtl="0">
+              <a:spcBef>
+                <a:spcPts val="0"/>
+              </a:spcBef>
+              <a:spcAft>
+                <a:spcPts val="0"/>
+              </a:spcAft>
+              <a:buNone/>
+            </a:pPr>
+            <a:endParaRPr/>
+          </a:p>
+        </p:txBody>
+      </p:sp>
+      <p:sp>
+        <p:nvSpPr>
+          <p:cNvPr id="223" name="Google Shape;223;p3:notes"/>
+          <p:cNvSpPr>
+            <a:spLocks noGrp="1" noRot="1" noChangeAspect="1"/>
+          </p:cNvSpPr>
+          <p:nvPr>
+            <p:ph type="sldImg" idx="2"/>
+          </p:nvPr>
+        </p:nvSpPr>
+        <p:spPr>
+          <a:xfrm>
+            <a:off x="1181100" y="696913"/>
+            <a:ext cx="4648200" cy="3486150"/>
+          </a:xfrm>
+          <a:custGeom>
+            <a:avLst/>
+            <a:gdLst/>
+            <a:ahLst/>
+            <a:cxnLst/>
+            <a:rect l="l" t="t" r="r" b="b"/>
+            <a:pathLst>
+              <a:path w="120000" h="120000" extrusionOk="0">
+                <a:moveTo>
+                  <a:pt x="0" y="0"/>
+                </a:moveTo>
+                <a:lnTo>
+                  <a:pt x="120000" y="0"/>
+                </a:lnTo>
+                <a:lnTo>
+                  <a:pt x="120000" y="120000"/>
+                </a:lnTo>
+                <a:lnTo>
+                  <a:pt x="0" y="120000"/>
+                </a:lnTo>
+                <a:close/>
+              </a:path>
+            </a:pathLst>
+          </a:custGeom>
+        </p:spPr>
+      </p:sp>
+    </p:spTree>
+    <p:extLst>
+      <p:ext uri="{BB962C8B-B14F-4D97-AF65-F5344CB8AC3E}">
+        <p14:creationId xmlns:p14="http://schemas.microsoft.com/office/powerpoint/2010/main" val="1697211412"/>
+      </p:ext>
+    </p:extLst>
+  </p:cSld>
+  <p:clrMapOvr>
+    <a:masterClrMapping/>
+  </p:clrMapOvr>
+</p:notes>
+</file>
+
+<file path=ppt/notesSlides/notesSlide7.xml><?xml version="1.0" encoding="utf-8"?>
 <p:notes xmlns:a="http://schemas.openxmlformats.org/drawingml/2006/main" xmlns:r="http://schemas.openxmlformats.org/officeDocument/2006/relationships" xmlns:p="http://schemas.openxmlformats.org/presentationml/2006/main" showMasterSp="0" showMasterPhAnim="0">
   <p:cSld>
     <p:spTree>
@@ -27028,6 +27464,1134 @@
 </p:sld>
 </file>
 
+<file path=ppt/slides/slide10.xml><?xml version="1.0" encoding="utf-8"?>
+<p:sld xmlns:a="http://schemas.openxmlformats.org/drawingml/2006/main" xmlns:r="http://schemas.openxmlformats.org/officeDocument/2006/relationships" xmlns:p="http://schemas.openxmlformats.org/presentationml/2006/main">
+  <p:cSld>
+    <p:spTree>
+      <p:nvGrpSpPr>
+        <p:cNvPr id="1" name="Shape 224"/>
+        <p:cNvGrpSpPr/>
+        <p:nvPr/>
+      </p:nvGrpSpPr>
+      <p:grpSpPr>
+        <a:xfrm>
+          <a:off x="0" y="0"/>
+          <a:ext cx="0" cy="0"/>
+          <a:chOff x="0" y="0"/>
+          <a:chExt cx="0" cy="0"/>
+        </a:xfrm>
+      </p:grpSpPr>
+      <p:sp>
+        <p:nvSpPr>
+          <p:cNvPr id="225" name="Google Shape;225;p17"/>
+          <p:cNvSpPr txBox="1">
+            <a:spLocks noGrp="1"/>
+          </p:cNvSpPr>
+          <p:nvPr>
+            <p:ph type="title"/>
+          </p:nvPr>
+        </p:nvSpPr>
+        <p:spPr>
+          <a:xfrm>
+            <a:off x="380010" y="-4950"/>
+            <a:ext cx="6222671" cy="1224150"/>
+          </a:xfrm>
+          <a:prstGeom prst="rect">
+            <a:avLst/>
+          </a:prstGeom>
+          <a:noFill/>
+          <a:ln>
+            <a:noFill/>
+          </a:ln>
+        </p:spPr>
+        <p:txBody>
+          <a:bodyPr spcFirstLastPara="1" wrap="square" lIns="91425" tIns="45700" rIns="91425" bIns="45700" anchor="ctr" anchorCtr="0">
+            <a:noAutofit/>
+          </a:bodyPr>
+          <a:lstStyle/>
+          <a:p>
+            <a:pPr marL="0" lvl="0" indent="0" algn="l" rtl="0">
+              <a:spcBef>
+                <a:spcPts val="0"/>
+              </a:spcBef>
+              <a:spcAft>
+                <a:spcPts val="0"/>
+              </a:spcAft>
+              <a:buClr>
+                <a:schemeClr val="lt1"/>
+              </a:buClr>
+              <a:buSzPts val="2400"/>
+              <a:buFont typeface="Arial"/>
+              <a:buNone/>
+            </a:pPr>
+            <a:r>
+              <a:rPr lang="en-US" dirty="0"/>
+              <a:t>Sets</a:t>
+            </a:r>
+            <a:endParaRPr dirty="0"/>
+          </a:p>
+        </p:txBody>
+      </p:sp>
+      <p:sp>
+        <p:nvSpPr>
+          <p:cNvPr id="226" name="Google Shape;226;p17"/>
+          <p:cNvSpPr txBox="1">
+            <a:spLocks noGrp="1"/>
+          </p:cNvSpPr>
+          <p:nvPr>
+            <p:ph type="body" idx="1"/>
+          </p:nvPr>
+        </p:nvSpPr>
+        <p:spPr>
+          <a:xfrm>
+            <a:off x="380010" y="1481446"/>
+            <a:ext cx="8383980" cy="5317697"/>
+          </a:xfrm>
+          <a:prstGeom prst="rect">
+            <a:avLst/>
+          </a:prstGeom>
+          <a:noFill/>
+          <a:ln>
+            <a:noFill/>
+          </a:ln>
+        </p:spPr>
+        <p:txBody>
+          <a:bodyPr spcFirstLastPara="1" wrap="square" lIns="91425" tIns="45700" rIns="91425" bIns="45700" anchor="t" anchorCtr="0">
+            <a:normAutofit lnSpcReduction="10000"/>
+          </a:bodyPr>
+          <a:lstStyle/>
+          <a:p>
+            <a:pPr marL="342900" lvl="0" indent="-342900" algn="l" rtl="0">
+              <a:lnSpc>
+                <a:spcPct val="90000"/>
+              </a:lnSpc>
+              <a:spcBef>
+                <a:spcPts val="0"/>
+              </a:spcBef>
+              <a:spcAft>
+                <a:spcPts val="0"/>
+              </a:spcAft>
+              <a:buSzPts val="2590"/>
+              <a:buChar char="•"/>
+            </a:pPr>
+            <a:r>
+              <a:rPr lang="en-US" b="1" dirty="0"/>
+              <a:t>*HashSet</a:t>
+            </a:r>
+          </a:p>
+          <a:p>
+            <a:pPr marL="800100" lvl="1" indent="-342900">
+              <a:lnSpc>
+                <a:spcPct val="90000"/>
+              </a:lnSpc>
+              <a:spcBef>
+                <a:spcPts val="0"/>
+              </a:spcBef>
+              <a:buSzPts val="2590"/>
+            </a:pPr>
+            <a:r>
+              <a:rPr lang="en-US" sz="2000" dirty="0"/>
+              <a:t>Algorithmically* hashes** data to store information. Uses a </a:t>
+            </a:r>
+            <a:r>
+              <a:rPr lang="en-US" sz="2000" dirty="0" err="1"/>
+              <a:t>HashTable</a:t>
+            </a:r>
+            <a:r>
+              <a:rPr lang="en-US" sz="2000" dirty="0"/>
+              <a:t> as it’s underlying data storage</a:t>
+            </a:r>
+          </a:p>
+          <a:p>
+            <a:pPr marL="342900" lvl="0" indent="-342900" algn="l" rtl="0">
+              <a:lnSpc>
+                <a:spcPct val="90000"/>
+              </a:lnSpc>
+              <a:spcBef>
+                <a:spcPts val="0"/>
+              </a:spcBef>
+              <a:spcAft>
+                <a:spcPts val="0"/>
+              </a:spcAft>
+              <a:buSzPts val="2590"/>
+              <a:buChar char="•"/>
+            </a:pPr>
+            <a:r>
+              <a:rPr lang="en-US" b="1" dirty="0" err="1"/>
+              <a:t>LinkedHashSet</a:t>
+            </a:r>
+            <a:endParaRPr lang="en-US" b="1" dirty="0"/>
+          </a:p>
+          <a:p>
+            <a:pPr marL="800100" lvl="1" indent="-342900">
+              <a:lnSpc>
+                <a:spcPct val="90000"/>
+              </a:lnSpc>
+              <a:spcBef>
+                <a:spcPts val="0"/>
+              </a:spcBef>
+              <a:buSzPts val="2590"/>
+            </a:pPr>
+            <a:r>
+              <a:rPr lang="en-US" sz="2000" dirty="0"/>
+              <a:t>Similar to HashSet, however is stores data using a </a:t>
+            </a:r>
+            <a:r>
+              <a:rPr lang="en-US" sz="2000" dirty="0" err="1"/>
+              <a:t>HashTable</a:t>
+            </a:r>
+            <a:r>
+              <a:rPr lang="en-US" sz="2000" dirty="0"/>
+              <a:t> and a doubly linked list to maintain insertion order of elements.</a:t>
+            </a:r>
+          </a:p>
+          <a:p>
+            <a:pPr marL="342900" indent="-342900">
+              <a:lnSpc>
+                <a:spcPct val="90000"/>
+              </a:lnSpc>
+              <a:spcBef>
+                <a:spcPts val="0"/>
+              </a:spcBef>
+              <a:buSzPts val="2590"/>
+            </a:pPr>
+            <a:r>
+              <a:rPr lang="en-US" b="1" dirty="0" err="1"/>
+              <a:t>SortedSet</a:t>
+            </a:r>
+            <a:endParaRPr lang="en-US" b="1" dirty="0"/>
+          </a:p>
+          <a:p>
+            <a:pPr marL="800100" lvl="1" indent="-342900">
+              <a:lnSpc>
+                <a:spcPct val="90000"/>
+              </a:lnSpc>
+              <a:spcBef>
+                <a:spcPts val="0"/>
+              </a:spcBef>
+              <a:buSzPts val="2590"/>
+            </a:pPr>
+            <a:r>
+              <a:rPr lang="en-US" sz="2000" dirty="0"/>
+              <a:t>Stores elements and sorts them based on natural ordering or the implementation of the Comparable interface of the elements in the collection.</a:t>
+            </a:r>
+          </a:p>
+          <a:p>
+            <a:pPr marL="800100" lvl="1" indent="-342900">
+              <a:lnSpc>
+                <a:spcPct val="90000"/>
+              </a:lnSpc>
+              <a:spcBef>
+                <a:spcPts val="0"/>
+              </a:spcBef>
+              <a:buSzPts val="2590"/>
+            </a:pPr>
+            <a:endParaRPr lang="en-US" sz="2000" dirty="0"/>
+          </a:p>
+          <a:p>
+            <a:pPr marL="342900" indent="-342900">
+              <a:lnSpc>
+                <a:spcPct val="90000"/>
+              </a:lnSpc>
+              <a:spcBef>
+                <a:spcPts val="0"/>
+              </a:spcBef>
+              <a:buSzPts val="2590"/>
+            </a:pPr>
+            <a:r>
+              <a:rPr lang="en-US" sz="2400" dirty="0"/>
+              <a:t>Sets also use the </a:t>
+            </a:r>
+            <a:r>
+              <a:rPr lang="en-US" sz="2400" dirty="0">
+                <a:latin typeface="Courier New" panose="02070309020205020404" pitchFamily="49" charset="0"/>
+                <a:cs typeface="Courier New" panose="02070309020205020404" pitchFamily="49" charset="0"/>
+              </a:rPr>
+              <a:t>add() </a:t>
+            </a:r>
+            <a:r>
+              <a:rPr lang="en-US" sz="2400" dirty="0"/>
+              <a:t>method to add new information to the set, and the </a:t>
+            </a:r>
+            <a:r>
+              <a:rPr lang="en-US" sz="2400" dirty="0">
+                <a:latin typeface="Courier New" panose="02070309020205020404" pitchFamily="49" charset="0"/>
+                <a:cs typeface="Courier New" panose="02070309020205020404" pitchFamily="49" charset="0"/>
+              </a:rPr>
+              <a:t>remove() </a:t>
+            </a:r>
+            <a:r>
+              <a:rPr lang="en-US" sz="2400" dirty="0"/>
+              <a:t>method to remove information.</a:t>
+            </a:r>
+          </a:p>
+          <a:p>
+            <a:pPr marL="800100" lvl="1" indent="-342900">
+              <a:lnSpc>
+                <a:spcPct val="90000"/>
+              </a:lnSpc>
+              <a:spcBef>
+                <a:spcPts val="0"/>
+              </a:spcBef>
+              <a:buSzPts val="2590"/>
+            </a:pPr>
+            <a:endParaRPr lang="en-US" sz="2190" dirty="0"/>
+          </a:p>
+          <a:p>
+            <a:pPr marL="342900" indent="-342900">
+              <a:lnSpc>
+                <a:spcPct val="90000"/>
+              </a:lnSpc>
+              <a:spcBef>
+                <a:spcPts val="0"/>
+              </a:spcBef>
+              <a:buSzPts val="2590"/>
+            </a:pPr>
+            <a:r>
+              <a:rPr lang="en-US" sz="2190" dirty="0"/>
+              <a:t>*An algorithm is simply a fancy way of saying “A step-by-step approach to solve a problem”.</a:t>
+            </a:r>
+          </a:p>
+          <a:p>
+            <a:pPr marL="342900" indent="-342900">
+              <a:lnSpc>
+                <a:spcPct val="90000"/>
+              </a:lnSpc>
+              <a:spcBef>
+                <a:spcPts val="0"/>
+              </a:spcBef>
+              <a:buSzPts val="2590"/>
+            </a:pPr>
+            <a:r>
+              <a:rPr lang="en-US" sz="2190" dirty="0"/>
+              <a:t>**Hashing is the process of converting any information into numerical representation.</a:t>
+            </a:r>
+            <a:endParaRPr sz="2190" dirty="0"/>
+          </a:p>
+        </p:txBody>
+      </p:sp>
+      <p:sp>
+        <p:nvSpPr>
+          <p:cNvPr id="227" name="Google Shape;227;p17"/>
+          <p:cNvSpPr txBox="1">
+            <a:spLocks noGrp="1"/>
+          </p:cNvSpPr>
+          <p:nvPr>
+            <p:ph type="sldNum" idx="12"/>
+          </p:nvPr>
+        </p:nvSpPr>
+        <p:spPr>
+          <a:xfrm>
+            <a:off x="8122757" y="6363712"/>
+            <a:ext cx="861671" cy="365125"/>
+          </a:xfrm>
+          <a:prstGeom prst="rect">
+            <a:avLst/>
+          </a:prstGeom>
+          <a:noFill/>
+          <a:ln>
+            <a:noFill/>
+          </a:ln>
+        </p:spPr>
+        <p:txBody>
+          <a:bodyPr spcFirstLastPara="1" wrap="square" lIns="91425" tIns="45700" rIns="91425" bIns="45700" anchor="ctr" anchorCtr="0">
+            <a:noAutofit/>
+          </a:bodyPr>
+          <a:lstStyle/>
+          <a:p>
+            <a:pPr marL="0" marR="0" lvl="0" indent="0" algn="r" defTabSz="914400" rtl="0" eaLnBrk="1" fontAlgn="auto" latinLnBrk="0" hangingPunct="1">
+              <a:lnSpc>
+                <a:spcPct val="100000"/>
+              </a:lnSpc>
+              <a:spcBef>
+                <a:spcPts val="0"/>
+              </a:spcBef>
+              <a:spcAft>
+                <a:spcPts val="0"/>
+              </a:spcAft>
+              <a:buClr>
+                <a:srgbClr val="000000"/>
+              </a:buClr>
+              <a:buSzTx/>
+              <a:buFont typeface="Arial"/>
+              <a:buNone/>
+              <a:tabLst/>
+              <a:defRPr/>
+            </a:pPr>
+            <a:fld id="{00000000-1234-1234-1234-123412341234}" type="slidenum">
+              <a:rPr kumimoji="0" lang="en-US" sz="1200" b="0" i="0" u="none" strike="noStrike" kern="0" cap="none" spc="0" normalizeH="0" baseline="0" noProof="0">
+                <a:ln>
+                  <a:noFill/>
+                </a:ln>
+                <a:solidFill>
+                  <a:srgbClr val="A0A1A0"/>
+                </a:solidFill>
+                <a:effectLst/>
+                <a:uLnTx/>
+                <a:uFillTx/>
+                <a:latin typeface="Arial"/>
+                <a:cs typeface="Arial"/>
+                <a:sym typeface="Arial"/>
+              </a:rPr>
+              <a:pPr marL="0" marR="0" lvl="0" indent="0" algn="r" defTabSz="914400" rtl="0" eaLnBrk="1" fontAlgn="auto" latinLnBrk="0" hangingPunct="1">
+                <a:lnSpc>
+                  <a:spcPct val="100000"/>
+                </a:lnSpc>
+                <a:spcBef>
+                  <a:spcPts val="0"/>
+                </a:spcBef>
+                <a:spcAft>
+                  <a:spcPts val="0"/>
+                </a:spcAft>
+                <a:buClr>
+                  <a:srgbClr val="000000"/>
+                </a:buClr>
+                <a:buSzTx/>
+                <a:buFont typeface="Arial"/>
+                <a:buNone/>
+                <a:tabLst/>
+                <a:defRPr/>
+              </a:pPr>
+              <a:t>9</a:t>
+            </a:fld>
+            <a:endParaRPr kumimoji="0" sz="1200" b="0" i="0" u="none" strike="noStrike" kern="0" cap="none" spc="0" normalizeH="0" baseline="0" noProof="0">
+              <a:ln>
+                <a:noFill/>
+              </a:ln>
+              <a:solidFill>
+                <a:srgbClr val="A0A1A0"/>
+              </a:solidFill>
+              <a:effectLst/>
+              <a:uLnTx/>
+              <a:uFillTx/>
+              <a:latin typeface="Arial"/>
+              <a:cs typeface="Arial"/>
+              <a:sym typeface="Arial"/>
+            </a:endParaRPr>
+          </a:p>
+        </p:txBody>
+      </p:sp>
+    </p:spTree>
+    <p:extLst>
+      <p:ext uri="{BB962C8B-B14F-4D97-AF65-F5344CB8AC3E}">
+        <p14:creationId xmlns:p14="http://schemas.microsoft.com/office/powerpoint/2010/main" val="25351454"/>
+      </p:ext>
+    </p:extLst>
+  </p:cSld>
+  <p:clrMapOvr>
+    <a:masterClrMapping/>
+  </p:clrMapOvr>
+</p:sld>
+</file>
+
+<file path=ppt/slides/slide11.xml><?xml version="1.0" encoding="utf-8"?>
+<p:sld xmlns:a="http://schemas.openxmlformats.org/drawingml/2006/main" xmlns:r="http://schemas.openxmlformats.org/officeDocument/2006/relationships" xmlns:p="http://schemas.openxmlformats.org/presentationml/2006/main">
+  <p:cSld>
+    <p:spTree>
+      <p:nvGrpSpPr>
+        <p:cNvPr id="1" name="Shape 224"/>
+        <p:cNvGrpSpPr/>
+        <p:nvPr/>
+      </p:nvGrpSpPr>
+      <p:grpSpPr>
+        <a:xfrm>
+          <a:off x="0" y="0"/>
+          <a:ext cx="0" cy="0"/>
+          <a:chOff x="0" y="0"/>
+          <a:chExt cx="0" cy="0"/>
+        </a:xfrm>
+      </p:grpSpPr>
+      <p:sp>
+        <p:nvSpPr>
+          <p:cNvPr id="225" name="Google Shape;225;p17"/>
+          <p:cNvSpPr txBox="1">
+            <a:spLocks noGrp="1"/>
+          </p:cNvSpPr>
+          <p:nvPr>
+            <p:ph type="title"/>
+          </p:nvPr>
+        </p:nvSpPr>
+        <p:spPr>
+          <a:xfrm>
+            <a:off x="380010" y="-4950"/>
+            <a:ext cx="6222671" cy="1224150"/>
+          </a:xfrm>
+          <a:prstGeom prst="rect">
+            <a:avLst/>
+          </a:prstGeom>
+          <a:noFill/>
+          <a:ln>
+            <a:noFill/>
+          </a:ln>
+        </p:spPr>
+        <p:txBody>
+          <a:bodyPr spcFirstLastPara="1" wrap="square" lIns="91425" tIns="45700" rIns="91425" bIns="45700" anchor="ctr" anchorCtr="0">
+            <a:noAutofit/>
+          </a:bodyPr>
+          <a:lstStyle/>
+          <a:p>
+            <a:pPr marL="0" lvl="0" indent="0" algn="l" rtl="0">
+              <a:spcBef>
+                <a:spcPts val="0"/>
+              </a:spcBef>
+              <a:spcAft>
+                <a:spcPts val="0"/>
+              </a:spcAft>
+              <a:buClr>
+                <a:schemeClr val="lt1"/>
+              </a:buClr>
+              <a:buSzPts val="2400"/>
+              <a:buFont typeface="Arial"/>
+              <a:buNone/>
+            </a:pPr>
+            <a:r>
+              <a:rPr lang="en-US" dirty="0"/>
+              <a:t>Queue</a:t>
+            </a:r>
+            <a:endParaRPr dirty="0"/>
+          </a:p>
+        </p:txBody>
+      </p:sp>
+      <p:sp>
+        <p:nvSpPr>
+          <p:cNvPr id="226" name="Google Shape;226;p17"/>
+          <p:cNvSpPr txBox="1">
+            <a:spLocks noGrp="1"/>
+          </p:cNvSpPr>
+          <p:nvPr>
+            <p:ph type="body" idx="1"/>
+          </p:nvPr>
+        </p:nvSpPr>
+        <p:spPr>
+          <a:xfrm>
+            <a:off x="380010" y="1481446"/>
+            <a:ext cx="8383980" cy="5111083"/>
+          </a:xfrm>
+          <a:prstGeom prst="rect">
+            <a:avLst/>
+          </a:prstGeom>
+          <a:noFill/>
+          <a:ln>
+            <a:noFill/>
+          </a:ln>
+        </p:spPr>
+        <p:txBody>
+          <a:bodyPr spcFirstLastPara="1" wrap="square" lIns="91425" tIns="45700" rIns="91425" bIns="45700" anchor="t" anchorCtr="0">
+            <a:normAutofit lnSpcReduction="10000"/>
+          </a:bodyPr>
+          <a:lstStyle/>
+          <a:p>
+            <a:pPr marL="342900" lvl="0" indent="-342900" algn="l" rtl="0">
+              <a:lnSpc>
+                <a:spcPct val="90000"/>
+              </a:lnSpc>
+              <a:spcBef>
+                <a:spcPts val="0"/>
+              </a:spcBef>
+              <a:spcAft>
+                <a:spcPts val="0"/>
+              </a:spcAft>
+              <a:buSzPts val="2590"/>
+              <a:buChar char="•"/>
+            </a:pPr>
+            <a:r>
+              <a:rPr lang="en-US" b="1" dirty="0"/>
+              <a:t>Dequeue</a:t>
+            </a:r>
+          </a:p>
+          <a:p>
+            <a:pPr marL="800100" lvl="1" indent="-342900">
+              <a:lnSpc>
+                <a:spcPct val="90000"/>
+              </a:lnSpc>
+              <a:spcBef>
+                <a:spcPts val="0"/>
+              </a:spcBef>
+              <a:buSzPts val="2590"/>
+            </a:pPr>
+            <a:r>
+              <a:rPr lang="en-US" sz="2000" dirty="0"/>
+              <a:t>A collection where both the “front” and “back” support insertion and removal. Allowing it to be used as a list and stack simultaneously.</a:t>
+            </a:r>
+          </a:p>
+          <a:p>
+            <a:pPr marL="342900" lvl="0" indent="-342900" algn="l" rtl="0">
+              <a:lnSpc>
+                <a:spcPct val="90000"/>
+              </a:lnSpc>
+              <a:spcBef>
+                <a:spcPts val="0"/>
+              </a:spcBef>
+              <a:spcAft>
+                <a:spcPts val="0"/>
+              </a:spcAft>
+              <a:buSzPts val="2590"/>
+              <a:buChar char="•"/>
+            </a:pPr>
+            <a:r>
+              <a:rPr lang="en-US" b="1" dirty="0"/>
+              <a:t>Priority Queue</a:t>
+            </a:r>
+          </a:p>
+          <a:p>
+            <a:pPr marL="800100" lvl="1" indent="-342900">
+              <a:lnSpc>
+                <a:spcPct val="90000"/>
+              </a:lnSpc>
+              <a:spcBef>
+                <a:spcPts val="0"/>
+              </a:spcBef>
+              <a:buSzPts val="2590"/>
+            </a:pPr>
+            <a:r>
+              <a:rPr lang="en-US" sz="2000" dirty="0"/>
+              <a:t>A collection that removes elements based on sorted priority that is based on natural ordering or the implementation of the Comparator interface for the elements in the collection.</a:t>
+            </a:r>
+          </a:p>
+          <a:p>
+            <a:pPr marL="800100" lvl="1" indent="-342900">
+              <a:lnSpc>
+                <a:spcPct val="90000"/>
+              </a:lnSpc>
+              <a:spcBef>
+                <a:spcPts val="0"/>
+              </a:spcBef>
+              <a:buSzPts val="2590"/>
+            </a:pPr>
+            <a:endParaRPr lang="en-US" sz="2000" dirty="0"/>
+          </a:p>
+          <a:p>
+            <a:pPr marL="800100" lvl="1" indent="-342900">
+              <a:lnSpc>
+                <a:spcPct val="90000"/>
+              </a:lnSpc>
+              <a:spcBef>
+                <a:spcPts val="0"/>
+              </a:spcBef>
+              <a:buSzPts val="2590"/>
+            </a:pPr>
+            <a:endParaRPr lang="en-US" sz="2000" dirty="0"/>
+          </a:p>
+          <a:p>
+            <a:pPr marL="342900" indent="-342900">
+              <a:lnSpc>
+                <a:spcPct val="90000"/>
+              </a:lnSpc>
+              <a:spcBef>
+                <a:spcPts val="0"/>
+              </a:spcBef>
+              <a:buSzPts val="2590"/>
+            </a:pPr>
+            <a:r>
+              <a:rPr lang="en-US" sz="2400" dirty="0"/>
+              <a:t>Queues can use the </a:t>
+            </a:r>
+            <a:r>
+              <a:rPr lang="en-US" sz="2400" dirty="0">
+                <a:latin typeface="Courier New" panose="02070309020205020404" pitchFamily="49" charset="0"/>
+                <a:cs typeface="Courier New" panose="02070309020205020404" pitchFamily="49" charset="0"/>
+              </a:rPr>
+              <a:t>add(e), remove() and element() </a:t>
+            </a:r>
+            <a:r>
+              <a:rPr lang="en-US" sz="2400" dirty="0"/>
+              <a:t>methods to add, remove and inspect information respectively. Alternatively a queue can use the </a:t>
+            </a:r>
+            <a:r>
+              <a:rPr lang="en-US" sz="2400" dirty="0">
+                <a:latin typeface="Courier New" panose="02070309020205020404" pitchFamily="49" charset="0"/>
+                <a:cs typeface="Courier New" panose="02070309020205020404" pitchFamily="49" charset="0"/>
+              </a:rPr>
+              <a:t>offer(e), poll() or peek() </a:t>
+            </a:r>
+            <a:r>
+              <a:rPr lang="en-US" sz="2400" dirty="0"/>
+              <a:t>method to do the same actions. The difference is that </a:t>
+            </a:r>
+            <a:r>
+              <a:rPr lang="en-US" sz="2400" dirty="0">
+                <a:latin typeface="Courier New" panose="02070309020205020404" pitchFamily="49" charset="0"/>
+                <a:cs typeface="Courier New" panose="02070309020205020404" pitchFamily="49" charset="0"/>
+              </a:rPr>
+              <a:t>add(e), remove() and element() </a:t>
+            </a:r>
+            <a:r>
+              <a:rPr lang="en-US" sz="2400" dirty="0">
+                <a:latin typeface="+mn-lt"/>
+                <a:cs typeface="Courier New" panose="02070309020205020404" pitchFamily="49" charset="0"/>
+              </a:rPr>
+              <a:t>can result in an exception, whereas</a:t>
+            </a:r>
+            <a:r>
+              <a:rPr lang="en-US" sz="2400" dirty="0">
+                <a:latin typeface="Courier New" panose="02070309020205020404" pitchFamily="49" charset="0"/>
+                <a:cs typeface="Courier New" panose="02070309020205020404" pitchFamily="49" charset="0"/>
+              </a:rPr>
+              <a:t> offer(e), poll() or peek() </a:t>
+            </a:r>
+            <a:r>
+              <a:rPr lang="en-US" sz="2400" dirty="0">
+                <a:latin typeface="+mn-lt"/>
+                <a:cs typeface="Courier New" panose="02070309020205020404" pitchFamily="49" charset="0"/>
+              </a:rPr>
+              <a:t>will return some other value, such as</a:t>
+            </a:r>
+            <a:r>
+              <a:rPr lang="en-US" sz="2400" dirty="0">
+                <a:latin typeface="Courier New" panose="02070309020205020404" pitchFamily="49" charset="0"/>
+                <a:cs typeface="Courier New" panose="02070309020205020404" pitchFamily="49" charset="0"/>
+              </a:rPr>
+              <a:t> null.</a:t>
+            </a:r>
+            <a:endParaRPr lang="en-US" sz="2400" b="1" dirty="0"/>
+          </a:p>
+          <a:p>
+            <a:pPr marL="342900" lvl="0" indent="-342900" algn="l" rtl="0">
+              <a:lnSpc>
+                <a:spcPct val="90000"/>
+              </a:lnSpc>
+              <a:spcBef>
+                <a:spcPts val="0"/>
+              </a:spcBef>
+              <a:spcAft>
+                <a:spcPts val="0"/>
+              </a:spcAft>
+              <a:buSzPts val="2590"/>
+              <a:buChar char="•"/>
+            </a:pPr>
+            <a:endParaRPr sz="2190" dirty="0"/>
+          </a:p>
+        </p:txBody>
+      </p:sp>
+      <p:sp>
+        <p:nvSpPr>
+          <p:cNvPr id="227" name="Google Shape;227;p17"/>
+          <p:cNvSpPr txBox="1">
+            <a:spLocks noGrp="1"/>
+          </p:cNvSpPr>
+          <p:nvPr>
+            <p:ph type="sldNum" idx="12"/>
+          </p:nvPr>
+        </p:nvSpPr>
+        <p:spPr>
+          <a:xfrm>
+            <a:off x="8122757" y="6363712"/>
+            <a:ext cx="861671" cy="365125"/>
+          </a:xfrm>
+          <a:prstGeom prst="rect">
+            <a:avLst/>
+          </a:prstGeom>
+          <a:noFill/>
+          <a:ln>
+            <a:noFill/>
+          </a:ln>
+        </p:spPr>
+        <p:txBody>
+          <a:bodyPr spcFirstLastPara="1" wrap="square" lIns="91425" tIns="45700" rIns="91425" bIns="45700" anchor="ctr" anchorCtr="0">
+            <a:noAutofit/>
+          </a:bodyPr>
+          <a:lstStyle/>
+          <a:p>
+            <a:pPr marL="0" marR="0" lvl="0" indent="0" algn="r" defTabSz="914400" rtl="0" eaLnBrk="1" fontAlgn="auto" latinLnBrk="0" hangingPunct="1">
+              <a:lnSpc>
+                <a:spcPct val="100000"/>
+              </a:lnSpc>
+              <a:spcBef>
+                <a:spcPts val="0"/>
+              </a:spcBef>
+              <a:spcAft>
+                <a:spcPts val="0"/>
+              </a:spcAft>
+              <a:buClr>
+                <a:srgbClr val="000000"/>
+              </a:buClr>
+              <a:buSzTx/>
+              <a:buFont typeface="Arial"/>
+              <a:buNone/>
+              <a:tabLst/>
+              <a:defRPr/>
+            </a:pPr>
+            <a:fld id="{00000000-1234-1234-1234-123412341234}" type="slidenum">
+              <a:rPr kumimoji="0" lang="en-US" sz="1200" b="0" i="0" u="none" strike="noStrike" kern="0" cap="none" spc="0" normalizeH="0" baseline="0" noProof="0">
+                <a:ln>
+                  <a:noFill/>
+                </a:ln>
+                <a:solidFill>
+                  <a:srgbClr val="A0A1A0"/>
+                </a:solidFill>
+                <a:effectLst/>
+                <a:uLnTx/>
+                <a:uFillTx/>
+                <a:latin typeface="Arial"/>
+                <a:cs typeface="Arial"/>
+                <a:sym typeface="Arial"/>
+              </a:rPr>
+              <a:pPr marL="0" marR="0" lvl="0" indent="0" algn="r" defTabSz="914400" rtl="0" eaLnBrk="1" fontAlgn="auto" latinLnBrk="0" hangingPunct="1">
+                <a:lnSpc>
+                  <a:spcPct val="100000"/>
+                </a:lnSpc>
+                <a:spcBef>
+                  <a:spcPts val="0"/>
+                </a:spcBef>
+                <a:spcAft>
+                  <a:spcPts val="0"/>
+                </a:spcAft>
+                <a:buClr>
+                  <a:srgbClr val="000000"/>
+                </a:buClr>
+                <a:buSzTx/>
+                <a:buFont typeface="Arial"/>
+                <a:buNone/>
+                <a:tabLst/>
+                <a:defRPr/>
+              </a:pPr>
+              <a:t>10</a:t>
+            </a:fld>
+            <a:endParaRPr kumimoji="0" sz="1200" b="0" i="0" u="none" strike="noStrike" kern="0" cap="none" spc="0" normalizeH="0" baseline="0" noProof="0">
+              <a:ln>
+                <a:noFill/>
+              </a:ln>
+              <a:solidFill>
+                <a:srgbClr val="A0A1A0"/>
+              </a:solidFill>
+              <a:effectLst/>
+              <a:uLnTx/>
+              <a:uFillTx/>
+              <a:latin typeface="Arial"/>
+              <a:cs typeface="Arial"/>
+              <a:sym typeface="Arial"/>
+            </a:endParaRPr>
+          </a:p>
+        </p:txBody>
+      </p:sp>
+    </p:spTree>
+    <p:extLst>
+      <p:ext uri="{BB962C8B-B14F-4D97-AF65-F5344CB8AC3E}">
+        <p14:creationId xmlns:p14="http://schemas.microsoft.com/office/powerpoint/2010/main" val="2867356888"/>
+      </p:ext>
+    </p:extLst>
+  </p:cSld>
+  <p:clrMapOvr>
+    <a:masterClrMapping/>
+  </p:clrMapOvr>
+</p:sld>
+</file>
+
+<file path=ppt/slides/slide12.xml><?xml version="1.0" encoding="utf-8"?>
+<p:sld xmlns:a="http://schemas.openxmlformats.org/drawingml/2006/main" xmlns:r="http://schemas.openxmlformats.org/officeDocument/2006/relationships" xmlns:p="http://schemas.openxmlformats.org/presentationml/2006/main">
+  <p:cSld>
+    <p:spTree>
+      <p:nvGrpSpPr>
+        <p:cNvPr id="1" name=""/>
+        <p:cNvGrpSpPr/>
+        <p:nvPr/>
+      </p:nvGrpSpPr>
+      <p:grpSpPr>
+        <a:xfrm>
+          <a:off x="0" y="0"/>
+          <a:ext cx="0" cy="0"/>
+          <a:chOff x="0" y="0"/>
+          <a:chExt cx="0" cy="0"/>
+        </a:xfrm>
+      </p:grpSpPr>
+      <p:sp>
+        <p:nvSpPr>
+          <p:cNvPr id="2" name="Title 1">
+            <a:extLst>
+              <a:ext uri="{FF2B5EF4-FFF2-40B4-BE49-F238E27FC236}">
+                <a16:creationId xmlns:a16="http://schemas.microsoft.com/office/drawing/2014/main" id="{D4EF0C70-748F-47D4-8D03-F8D42FBA8B20}"/>
+              </a:ext>
+            </a:extLst>
+          </p:cNvPr>
+          <p:cNvSpPr>
+            <a:spLocks noGrp="1"/>
+          </p:cNvSpPr>
+          <p:nvPr>
+            <p:ph type="title"/>
+          </p:nvPr>
+        </p:nvSpPr>
+        <p:spPr/>
+        <p:txBody>
+          <a:bodyPr/>
+          <a:lstStyle/>
+          <a:p>
+            <a:r>
+              <a:rPr lang="en-US" dirty="0"/>
+              <a:t>Data Structures</a:t>
+            </a:r>
+          </a:p>
+        </p:txBody>
+      </p:sp>
+      <p:sp>
+        <p:nvSpPr>
+          <p:cNvPr id="3" name="Text Placeholder 2">
+            <a:extLst>
+              <a:ext uri="{FF2B5EF4-FFF2-40B4-BE49-F238E27FC236}">
+                <a16:creationId xmlns:a16="http://schemas.microsoft.com/office/drawing/2014/main" id="{B2F24DC3-E8C9-44E4-AEF1-E011117B1E08}"/>
+              </a:ext>
+            </a:extLst>
+          </p:cNvPr>
+          <p:cNvSpPr>
+            <a:spLocks noGrp="1"/>
+          </p:cNvSpPr>
+          <p:nvPr>
+            <p:ph type="body" idx="1"/>
+          </p:nvPr>
+        </p:nvSpPr>
+        <p:spPr>
+          <a:xfrm>
+            <a:off x="380010" y="1219200"/>
+            <a:ext cx="8383980" cy="5509637"/>
+          </a:xfrm>
+        </p:spPr>
+        <p:txBody>
+          <a:bodyPr/>
+          <a:lstStyle/>
+          <a:p>
+            <a:r>
+              <a:rPr lang="en-US" dirty="0"/>
+              <a:t>List</a:t>
+            </a:r>
+          </a:p>
+          <a:p>
+            <a:pPr lvl="1"/>
+            <a:r>
+              <a:rPr lang="en-US" dirty="0"/>
+              <a:t>Ordered</a:t>
+            </a:r>
+          </a:p>
+          <a:p>
+            <a:pPr lvl="1"/>
+            <a:r>
+              <a:rPr lang="en-US" dirty="0"/>
+              <a:t>Allows Duplicates</a:t>
+            </a:r>
+          </a:p>
+          <a:p>
+            <a:pPr lvl="1"/>
+            <a:r>
+              <a:rPr lang="en-US" i="1" dirty="0"/>
+              <a:t>Indexed*** </a:t>
+            </a:r>
+          </a:p>
+          <a:p>
+            <a:r>
+              <a:rPr lang="en-US" dirty="0"/>
+              <a:t>Set</a:t>
+            </a:r>
+          </a:p>
+          <a:p>
+            <a:pPr lvl="1"/>
+            <a:r>
+              <a:rPr lang="en-US" dirty="0"/>
+              <a:t>Non-ordered</a:t>
+            </a:r>
+          </a:p>
+          <a:p>
+            <a:pPr lvl="1"/>
+            <a:r>
+              <a:rPr lang="en-US" dirty="0"/>
+              <a:t>No Duplicates</a:t>
+            </a:r>
+          </a:p>
+          <a:p>
+            <a:r>
+              <a:rPr lang="en-US" dirty="0"/>
+              <a:t>Queue</a:t>
+            </a:r>
+          </a:p>
+          <a:p>
+            <a:pPr lvl="1"/>
+            <a:r>
+              <a:rPr lang="en-US" dirty="0"/>
+              <a:t>FIFO*** </a:t>
+            </a:r>
+          </a:p>
+          <a:p>
+            <a:pPr lvl="1"/>
+            <a:r>
+              <a:rPr lang="en-US" dirty="0"/>
+              <a:t>Ordered* </a:t>
+            </a:r>
+          </a:p>
+          <a:p>
+            <a:pPr lvl="1"/>
+            <a:r>
+              <a:rPr lang="en-US" dirty="0"/>
+              <a:t>Allows Duplicates </a:t>
+            </a:r>
+          </a:p>
+        </p:txBody>
+      </p:sp>
+      <p:sp>
+        <p:nvSpPr>
+          <p:cNvPr id="4" name="Slide Number Placeholder 3">
+            <a:extLst>
+              <a:ext uri="{FF2B5EF4-FFF2-40B4-BE49-F238E27FC236}">
+                <a16:creationId xmlns:a16="http://schemas.microsoft.com/office/drawing/2014/main" id="{02BD7544-74A5-4719-9F65-B68C800BCB93}"/>
+              </a:ext>
+            </a:extLst>
+          </p:cNvPr>
+          <p:cNvSpPr>
+            <a:spLocks noGrp="1"/>
+          </p:cNvSpPr>
+          <p:nvPr>
+            <p:ph type="sldNum" idx="12"/>
+          </p:nvPr>
+        </p:nvSpPr>
+        <p:spPr/>
+        <p:txBody>
+          <a:bodyPr/>
+          <a:lstStyle/>
+          <a:p>
+            <a:pPr marL="0" lvl="0" indent="0" algn="r" rtl="0">
+              <a:spcBef>
+                <a:spcPts val="0"/>
+              </a:spcBef>
+              <a:spcAft>
+                <a:spcPts val="0"/>
+              </a:spcAft>
+              <a:buNone/>
+            </a:pPr>
+            <a:fld id="{00000000-1234-1234-1234-123412341234}" type="slidenum">
+              <a:rPr lang="en-US" smtClean="0"/>
+              <a:t>11</a:t>
+            </a:fld>
+            <a:endParaRPr lang="en-US"/>
+          </a:p>
+        </p:txBody>
+      </p:sp>
+    </p:spTree>
+    <p:extLst>
+      <p:ext uri="{BB962C8B-B14F-4D97-AF65-F5344CB8AC3E}">
+        <p14:creationId xmlns:p14="http://schemas.microsoft.com/office/powerpoint/2010/main" val="3505425327"/>
+      </p:ext>
+    </p:extLst>
+  </p:cSld>
+  <p:clrMapOvr>
+    <a:masterClrMapping/>
+  </p:clrMapOvr>
+</p:sld>
+</file>
+
+<file path=ppt/slides/slide13.xml><?xml version="1.0" encoding="utf-8"?>
+<p:sld xmlns:a="http://schemas.openxmlformats.org/drawingml/2006/main" xmlns:r="http://schemas.openxmlformats.org/officeDocument/2006/relationships" xmlns:p="http://schemas.openxmlformats.org/presentationml/2006/main">
+  <p:cSld>
+    <p:spTree>
+      <p:nvGrpSpPr>
+        <p:cNvPr id="1" name="Shape 322"/>
+        <p:cNvGrpSpPr/>
+        <p:nvPr/>
+      </p:nvGrpSpPr>
+      <p:grpSpPr>
+        <a:xfrm>
+          <a:off x="0" y="0"/>
+          <a:ext cx="0" cy="0"/>
+          <a:chOff x="0" y="0"/>
+          <a:chExt cx="0" cy="0"/>
+        </a:xfrm>
+      </p:grpSpPr>
+      <p:sp>
+        <p:nvSpPr>
+          <p:cNvPr id="323" name="Google Shape;323;p31"/>
+          <p:cNvSpPr txBox="1">
+            <a:spLocks noGrp="1"/>
+          </p:cNvSpPr>
+          <p:nvPr>
+            <p:ph type="title"/>
+          </p:nvPr>
+        </p:nvSpPr>
+        <p:spPr>
+          <a:xfrm>
+            <a:off x="380010" y="-4950"/>
+            <a:ext cx="6222671" cy="1224150"/>
+          </a:xfrm>
+          <a:prstGeom prst="rect">
+            <a:avLst/>
+          </a:prstGeom>
+          <a:noFill/>
+          <a:ln>
+            <a:noFill/>
+          </a:ln>
+        </p:spPr>
+        <p:txBody>
+          <a:bodyPr spcFirstLastPara="1" wrap="square" lIns="91425" tIns="45700" rIns="91425" bIns="45700" anchor="ctr" anchorCtr="0">
+            <a:noAutofit/>
+          </a:bodyPr>
+          <a:lstStyle/>
+          <a:p>
+            <a:pPr marL="0" lvl="0" indent="0" algn="l" rtl="0">
+              <a:spcBef>
+                <a:spcPts val="0"/>
+              </a:spcBef>
+              <a:spcAft>
+                <a:spcPts val="0"/>
+              </a:spcAft>
+              <a:buClr>
+                <a:schemeClr val="dk2"/>
+              </a:buClr>
+              <a:buSzPts val="2400"/>
+              <a:buFont typeface="Arial"/>
+              <a:buNone/>
+            </a:pPr>
+            <a:endParaRPr/>
+          </a:p>
+        </p:txBody>
+      </p:sp>
+      <p:sp>
+        <p:nvSpPr>
+          <p:cNvPr id="324" name="Google Shape;324;p31"/>
+          <p:cNvSpPr txBox="1">
+            <a:spLocks noGrp="1"/>
+          </p:cNvSpPr>
+          <p:nvPr>
+            <p:ph type="sldNum" idx="12"/>
+          </p:nvPr>
+        </p:nvSpPr>
+        <p:spPr>
+          <a:xfrm>
+            <a:off x="8122757" y="6363712"/>
+            <a:ext cx="861671" cy="365125"/>
+          </a:xfrm>
+          <a:prstGeom prst="rect">
+            <a:avLst/>
+          </a:prstGeom>
+          <a:noFill/>
+          <a:ln>
+            <a:noFill/>
+          </a:ln>
+        </p:spPr>
+        <p:txBody>
+          <a:bodyPr spcFirstLastPara="1" wrap="square" lIns="91425" tIns="45700" rIns="91425" bIns="45700" anchor="ctr" anchorCtr="0">
+            <a:noAutofit/>
+          </a:bodyPr>
+          <a:lstStyle/>
+          <a:p>
+            <a:pPr marL="0" lvl="0" indent="0" algn="r" rtl="0">
+              <a:spcBef>
+                <a:spcPts val="0"/>
+              </a:spcBef>
+              <a:spcAft>
+                <a:spcPts val="0"/>
+              </a:spcAft>
+              <a:buNone/>
+            </a:pPr>
+            <a:fld id="{00000000-1234-1234-1234-123412341234}" type="slidenum">
+              <a:rPr lang="en-US"/>
+              <a:t>12</a:t>
+            </a:fld>
+            <a:endParaRPr/>
+          </a:p>
+        </p:txBody>
+      </p:sp>
+    </p:spTree>
+  </p:cSld>
+  <p:clrMapOvr>
+    <a:masterClrMapping/>
+  </p:clrMapOvr>
+</p:sld>
+</file>
+
 <file path=ppt/slides/slide2.xml><?xml version="1.0" encoding="utf-8"?>
 <p:sld xmlns:a="http://schemas.openxmlformats.org/drawingml/2006/main" xmlns:r="http://schemas.openxmlformats.org/officeDocument/2006/relationships" xmlns:p="http://schemas.openxmlformats.org/presentationml/2006/main">
   <p:cSld>
@@ -28237,210 +29801,6 @@
           <p:cNvPr id="2" name="Title 1">
             <a:extLst>
               <a:ext uri="{FF2B5EF4-FFF2-40B4-BE49-F238E27FC236}">
-                <a16:creationId xmlns:a16="http://schemas.microsoft.com/office/drawing/2014/main" id="{D4EF0C70-748F-47D4-8D03-F8D42FBA8B20}"/>
-              </a:ext>
-            </a:extLst>
-          </p:cNvPr>
-          <p:cNvSpPr>
-            <a:spLocks noGrp="1"/>
-          </p:cNvSpPr>
-          <p:nvPr>
-            <p:ph type="title"/>
-          </p:nvPr>
-        </p:nvSpPr>
-        <p:spPr/>
-        <p:txBody>
-          <a:bodyPr/>
-          <a:lstStyle/>
-          <a:p>
-            <a:r>
-              <a:rPr lang="en-US" dirty="0"/>
-              <a:t>Data Structures</a:t>
-            </a:r>
-          </a:p>
-        </p:txBody>
-      </p:sp>
-      <p:sp>
-        <p:nvSpPr>
-          <p:cNvPr id="3" name="Text Placeholder 2">
-            <a:extLst>
-              <a:ext uri="{FF2B5EF4-FFF2-40B4-BE49-F238E27FC236}">
-                <a16:creationId xmlns:a16="http://schemas.microsoft.com/office/drawing/2014/main" id="{B2F24DC3-E8C9-44E4-AEF1-E011117B1E08}"/>
-              </a:ext>
-            </a:extLst>
-          </p:cNvPr>
-          <p:cNvSpPr>
-            <a:spLocks noGrp="1"/>
-          </p:cNvSpPr>
-          <p:nvPr>
-            <p:ph type="body" idx="1"/>
-          </p:nvPr>
-        </p:nvSpPr>
-        <p:spPr>
-          <a:xfrm>
-            <a:off x="380010" y="1219200"/>
-            <a:ext cx="8383980" cy="4525963"/>
-          </a:xfrm>
-        </p:spPr>
-        <p:txBody>
-          <a:bodyPr/>
-          <a:lstStyle/>
-          <a:p>
-            <a:r>
-              <a:rPr lang="en-US" dirty="0"/>
-              <a:t>List</a:t>
-            </a:r>
-          </a:p>
-          <a:p>
-            <a:pPr lvl="1"/>
-            <a:r>
-              <a:rPr lang="en-US" dirty="0"/>
-              <a:t>Ordered</a:t>
-            </a:r>
-          </a:p>
-          <a:p>
-            <a:pPr lvl="1"/>
-            <a:r>
-              <a:rPr lang="en-US" dirty="0"/>
-              <a:t>Allows Duplicates</a:t>
-            </a:r>
-          </a:p>
-          <a:p>
-            <a:pPr lvl="1"/>
-            <a:r>
-              <a:rPr lang="en-US" i="1" dirty="0"/>
-              <a:t>Indexed*** </a:t>
-            </a:r>
-          </a:p>
-          <a:p>
-            <a:r>
-              <a:rPr lang="en-US" dirty="0"/>
-              <a:t>Stack</a:t>
-            </a:r>
-          </a:p>
-          <a:p>
-            <a:pPr lvl="1"/>
-            <a:r>
-              <a:rPr lang="en-US" dirty="0"/>
-              <a:t>Ordered</a:t>
-            </a:r>
-          </a:p>
-          <a:p>
-            <a:pPr lvl="1"/>
-            <a:r>
-              <a:rPr lang="en-US" dirty="0"/>
-              <a:t>LIFO</a:t>
-            </a:r>
-          </a:p>
-          <a:p>
-            <a:pPr lvl="1"/>
-            <a:r>
-              <a:rPr lang="en-US" dirty="0"/>
-              <a:t>Allows Duplicates</a:t>
-            </a:r>
-          </a:p>
-          <a:p>
-            <a:r>
-              <a:rPr lang="en-US" dirty="0"/>
-              <a:t>Queue</a:t>
-            </a:r>
-          </a:p>
-          <a:p>
-            <a:pPr lvl="1"/>
-            <a:r>
-              <a:rPr lang="en-US" dirty="0"/>
-              <a:t>FIFO*** </a:t>
-            </a:r>
-          </a:p>
-          <a:p>
-            <a:pPr lvl="1"/>
-            <a:r>
-              <a:rPr lang="en-US" dirty="0"/>
-              <a:t>Ordered </a:t>
-            </a:r>
-          </a:p>
-          <a:p>
-            <a:pPr lvl="1"/>
-            <a:r>
-              <a:rPr lang="en-US" dirty="0"/>
-              <a:t>Allows Duplicates </a:t>
-            </a:r>
-          </a:p>
-        </p:txBody>
-      </p:sp>
-      <p:sp>
-        <p:nvSpPr>
-          <p:cNvPr id="4" name="Slide Number Placeholder 3">
-            <a:extLst>
-              <a:ext uri="{FF2B5EF4-FFF2-40B4-BE49-F238E27FC236}">
-                <a16:creationId xmlns:a16="http://schemas.microsoft.com/office/drawing/2014/main" id="{02BD7544-74A5-4719-9F65-B68C800BCB93}"/>
-              </a:ext>
-            </a:extLst>
-          </p:cNvPr>
-          <p:cNvSpPr>
-            <a:spLocks noGrp="1"/>
-          </p:cNvSpPr>
-          <p:nvPr>
-            <p:ph type="sldNum" idx="12"/>
-          </p:nvPr>
-        </p:nvSpPr>
-        <p:spPr/>
-        <p:txBody>
-          <a:bodyPr/>
-          <a:lstStyle/>
-          <a:p>
-            <a:pPr marL="0" lvl="0" indent="0" algn="r" rtl="0">
-              <a:spcBef>
-                <a:spcPts val="0"/>
-              </a:spcBef>
-              <a:spcAft>
-                <a:spcPts val="0"/>
-              </a:spcAft>
-              <a:buNone/>
-            </a:pPr>
-            <a:fld id="{00000000-1234-1234-1234-123412341234}" type="slidenum">
-              <a:rPr lang="en-US" smtClean="0"/>
-              <a:t>3</a:t>
-            </a:fld>
-            <a:endParaRPr lang="en-US"/>
-          </a:p>
-        </p:txBody>
-      </p:sp>
-    </p:spTree>
-    <p:extLst>
-      <p:ext uri="{BB962C8B-B14F-4D97-AF65-F5344CB8AC3E}">
-        <p14:creationId xmlns:p14="http://schemas.microsoft.com/office/powerpoint/2010/main" val="3505425327"/>
-      </p:ext>
-    </p:extLst>
-  </p:cSld>
-  <p:clrMapOvr>
-    <a:masterClrMapping/>
-  </p:clrMapOvr>
-</p:sld>
-</file>
-
-<file path=ppt/slides/slide5.xml><?xml version="1.0" encoding="utf-8"?>
-<p:sld xmlns:a="http://schemas.openxmlformats.org/drawingml/2006/main" xmlns:r="http://schemas.openxmlformats.org/officeDocument/2006/relationships" xmlns:p="http://schemas.openxmlformats.org/presentationml/2006/main">
-  <p:cSld>
-    <p:spTree>
-      <p:nvGrpSpPr>
-        <p:cNvPr id="1" name=""/>
-        <p:cNvGrpSpPr/>
-        <p:nvPr/>
-      </p:nvGrpSpPr>
-      <p:grpSpPr>
-        <a:xfrm>
-          <a:off x="0" y="0"/>
-          <a:ext cx="0" cy="0"/>
-          <a:chOff x="0" y="0"/>
-          <a:chExt cx="0" cy="0"/>
-        </a:xfrm>
-      </p:grpSpPr>
-      <p:sp>
-        <p:nvSpPr>
-          <p:cNvPr id="2" name="Title 1">
-            <a:extLst>
-              <a:ext uri="{FF2B5EF4-FFF2-40B4-BE49-F238E27FC236}">
                 <a16:creationId xmlns:a16="http://schemas.microsoft.com/office/drawing/2014/main" id="{498CF2B7-D78B-488A-B495-63125F404A55}"/>
               </a:ext>
             </a:extLst>
@@ -28496,7 +29856,7 @@
             </a:pPr>
             <a:fld id="{00000000-1234-1234-1234-123412341234}" type="slidenum">
               <a:rPr lang="en-US" smtClean="0"/>
-              <a:t>4</a:t>
+              <a:t>3</a:t>
             </a:fld>
             <a:endParaRPr lang="en-US"/>
           </a:p>
@@ -28936,7 +30296,7 @@
 </p:sld>
 </file>
 
-<file path=ppt/slides/slide6.xml><?xml version="1.0" encoding="utf-8"?>
+<file path=ppt/slides/slide5.xml><?xml version="1.0" encoding="utf-8"?>
 <p:sld xmlns:a="http://schemas.openxmlformats.org/drawingml/2006/main" xmlns:r="http://schemas.openxmlformats.org/officeDocument/2006/relationships" xmlns:p="http://schemas.openxmlformats.org/presentationml/2006/main">
   <p:cSld>
     <p:spTree>
@@ -29655,7 +31015,7 @@
             </a:pPr>
             <a:fld id="{00000000-1234-1234-1234-123412341234}" type="slidenum">
               <a:rPr lang="en-US" smtClean="0"/>
-              <a:t>5</a:t>
+              <a:t>4</a:t>
             </a:fld>
             <a:endParaRPr lang="en-US"/>
           </a:p>
@@ -29718,7 +31078,27 @@
                 <a:latin typeface="Courier New" panose="02070309020205020404" pitchFamily="49" charset="0"/>
                 <a:cs typeface="Courier New" panose="02070309020205020404" pitchFamily="49" charset="0"/>
               </a:rPr>
-              <a:t>public class Stack {</a:t>
+              <a:t>public class </a:t>
+            </a:r>
+            <a:r>
+              <a:rPr lang="en-US" sz="1100" dirty="0" err="1">
+                <a:solidFill>
+                  <a:srgbClr val="474C55"/>
+                </a:solidFill>
+                <a:latin typeface="Courier New" panose="02070309020205020404" pitchFamily="49" charset="0"/>
+                <a:cs typeface="Courier New" panose="02070309020205020404" pitchFamily="49" charset="0"/>
+              </a:rPr>
+              <a:t>NodeStack</a:t>
+            </a:r>
+            <a:r>
+              <a:rPr lang="en-US" sz="1100" dirty="0">
+                <a:solidFill>
+                  <a:srgbClr val="474C55"/>
+                </a:solidFill>
+                <a:latin typeface="Courier New" panose="02070309020205020404" pitchFamily="49" charset="0"/>
+                <a:cs typeface="Courier New" panose="02070309020205020404" pitchFamily="49" charset="0"/>
+              </a:rPr>
+              <a:t> {</a:t>
             </a:r>
           </a:p>
           <a:p>
@@ -30627,7 +32007,7 @@
 </p:sld>
 </file>
 
-<file path=ppt/slides/slide7.xml><?xml version="1.0" encoding="utf-8"?>
+<file path=ppt/slides/slide6.xml><?xml version="1.0" encoding="utf-8"?>
 <p:sld xmlns:a="http://schemas.openxmlformats.org/drawingml/2006/main" xmlns:r="http://schemas.openxmlformats.org/officeDocument/2006/relationships" xmlns:p="http://schemas.openxmlformats.org/presentationml/2006/main">
   <p:cSld>
     <p:spTree>
@@ -30667,7 +32047,7 @@
           <a:p>
             <a:r>
               <a:rPr lang="en-US" dirty="0"/>
-              <a:t>LinkedList</a:t>
+              <a:t>LinkedList (Single)</a:t>
             </a:r>
           </a:p>
         </p:txBody>
@@ -30704,7 +32084,7 @@
             </a:pPr>
             <a:fld id="{00000000-1234-1234-1234-123412341234}" type="slidenum">
               <a:rPr lang="en-US" smtClean="0"/>
-              <a:t>6</a:t>
+              <a:t>5</a:t>
             </a:fld>
             <a:endParaRPr lang="en-US"/>
           </a:p>
@@ -31009,7 +32389,21 @@
                 <a:latin typeface="Courier New" panose="02070309020205020404" pitchFamily="49" charset="0"/>
                 <a:cs typeface="Courier New" panose="02070309020205020404" pitchFamily="49" charset="0"/>
               </a:rPr>
-              <a:t>public class LinkedList {</a:t>
+              <a:t>public class </a:t>
+            </a:r>
+            <a:r>
+              <a:rPr lang="en-US" sz="1100" dirty="0" err="1">
+                <a:latin typeface="Courier New" panose="02070309020205020404" pitchFamily="49" charset="0"/>
+                <a:cs typeface="Courier New" panose="02070309020205020404" pitchFamily="49" charset="0"/>
+              </a:rPr>
+              <a:t>SingleNodeLinkedList</a:t>
+            </a:r>
+            <a:r>
+              <a:rPr lang="en-US" sz="1100" dirty="0">
+                <a:latin typeface="Courier New" panose="02070309020205020404" pitchFamily="49" charset="0"/>
+                <a:cs typeface="Courier New" panose="02070309020205020404" pitchFamily="49" charset="0"/>
+              </a:rPr>
+              <a:t> {</a:t>
             </a:r>
           </a:p>
           <a:p>
@@ -32262,12 +33656,12 @@
 </p:sld>
 </file>
 
-<file path=ppt/slides/slide8.xml><?xml version="1.0" encoding="utf-8"?>
+<file path=ppt/slides/slide7.xml><?xml version="1.0" encoding="utf-8"?>
 <p:sld xmlns:a="http://schemas.openxmlformats.org/drawingml/2006/main" xmlns:r="http://schemas.openxmlformats.org/officeDocument/2006/relationships" xmlns:p="http://schemas.openxmlformats.org/presentationml/2006/main">
   <p:cSld>
     <p:spTree>
       <p:nvGrpSpPr>
-        <p:cNvPr id="1" name="Shape 322"/>
+        <p:cNvPr id="1" name=""/>
         <p:cNvGrpSpPr/>
         <p:nvPr/>
       </p:nvGrpSpPr>
@@ -32281,7 +33675,213 @@
       </p:grpSpPr>
       <p:sp>
         <p:nvSpPr>
-          <p:cNvPr id="323" name="Google Shape;323;p31"/>
+          <p:cNvPr id="2" name="Title 1">
+            <a:extLst>
+              <a:ext uri="{FF2B5EF4-FFF2-40B4-BE49-F238E27FC236}">
+                <a16:creationId xmlns:a16="http://schemas.microsoft.com/office/drawing/2014/main" id="{3669B483-2554-4BD2-91E8-92F8E3176FC5}"/>
+              </a:ext>
+            </a:extLst>
+          </p:cNvPr>
+          <p:cNvSpPr>
+            <a:spLocks noGrp="1"/>
+          </p:cNvSpPr>
+          <p:nvPr>
+            <p:ph type="title"/>
+          </p:nvPr>
+        </p:nvSpPr>
+        <p:spPr/>
+        <p:txBody>
+          <a:bodyPr/>
+          <a:lstStyle/>
+          <a:p>
+            <a:r>
+              <a:rPr lang="en-US" dirty="0"/>
+              <a:t>Collection Hierarchy</a:t>
+            </a:r>
+          </a:p>
+        </p:txBody>
+      </p:sp>
+      <p:sp>
+        <p:nvSpPr>
+          <p:cNvPr id="3" name="Text Placeholder 2">
+            <a:extLst>
+              <a:ext uri="{FF2B5EF4-FFF2-40B4-BE49-F238E27FC236}">
+                <a16:creationId xmlns:a16="http://schemas.microsoft.com/office/drawing/2014/main" id="{C9F2426F-D5F3-4D3A-A712-BEC20D2F7686}"/>
+              </a:ext>
+            </a:extLst>
+          </p:cNvPr>
+          <p:cNvSpPr>
+            <a:spLocks noGrp="1"/>
+          </p:cNvSpPr>
+          <p:nvPr>
+            <p:ph type="body" idx="1"/>
+          </p:nvPr>
+        </p:nvSpPr>
+        <p:spPr/>
+        <p:txBody>
+          <a:bodyPr/>
+          <a:lstStyle/>
+          <a:p>
+            <a:endParaRPr lang="en-US" dirty="0"/>
+          </a:p>
+        </p:txBody>
+      </p:sp>
+      <p:sp>
+        <p:nvSpPr>
+          <p:cNvPr id="4" name="Slide Number Placeholder 3">
+            <a:extLst>
+              <a:ext uri="{FF2B5EF4-FFF2-40B4-BE49-F238E27FC236}">
+                <a16:creationId xmlns:a16="http://schemas.microsoft.com/office/drawing/2014/main" id="{22027545-FFBA-4A8A-95DA-678F4C1890EC}"/>
+              </a:ext>
+            </a:extLst>
+          </p:cNvPr>
+          <p:cNvSpPr>
+            <a:spLocks noGrp="1"/>
+          </p:cNvSpPr>
+          <p:nvPr>
+            <p:ph type="sldNum" idx="12"/>
+          </p:nvPr>
+        </p:nvSpPr>
+        <p:spPr/>
+        <p:txBody>
+          <a:bodyPr/>
+          <a:lstStyle/>
+          <a:p>
+            <a:pPr marL="0" marR="0" lvl="0" indent="0" algn="r" defTabSz="914400" rtl="0" eaLnBrk="1" fontAlgn="auto" latinLnBrk="0" hangingPunct="1">
+              <a:lnSpc>
+                <a:spcPct val="100000"/>
+              </a:lnSpc>
+              <a:spcBef>
+                <a:spcPts val="0"/>
+              </a:spcBef>
+              <a:spcAft>
+                <a:spcPts val="0"/>
+              </a:spcAft>
+              <a:buClr>
+                <a:srgbClr val="000000"/>
+              </a:buClr>
+              <a:buSzTx/>
+              <a:buFont typeface="Arial"/>
+              <a:buNone/>
+              <a:tabLst/>
+              <a:defRPr/>
+            </a:pPr>
+            <a:fld id="{00000000-1234-1234-1234-123412341234}" type="slidenum">
+              <a:rPr kumimoji="0" lang="en-US" sz="1200" b="0" i="0" u="none" strike="noStrike" kern="0" cap="none" spc="0" normalizeH="0" baseline="0" noProof="0" smtClean="0">
+                <a:ln>
+                  <a:noFill/>
+                </a:ln>
+                <a:solidFill>
+                  <a:srgbClr val="A0A1A0"/>
+                </a:solidFill>
+                <a:effectLst/>
+                <a:uLnTx/>
+                <a:uFillTx/>
+                <a:latin typeface="Arial"/>
+                <a:cs typeface="Arial"/>
+                <a:sym typeface="Arial"/>
+              </a:rPr>
+              <a:pPr marL="0" marR="0" lvl="0" indent="0" algn="r" defTabSz="914400" rtl="0" eaLnBrk="1" fontAlgn="auto" latinLnBrk="0" hangingPunct="1">
+                <a:lnSpc>
+                  <a:spcPct val="100000"/>
+                </a:lnSpc>
+                <a:spcBef>
+                  <a:spcPts val="0"/>
+                </a:spcBef>
+                <a:spcAft>
+                  <a:spcPts val="0"/>
+                </a:spcAft>
+                <a:buClr>
+                  <a:srgbClr val="000000"/>
+                </a:buClr>
+                <a:buSzTx/>
+                <a:buFont typeface="Arial"/>
+                <a:buNone/>
+                <a:tabLst/>
+                <a:defRPr/>
+              </a:pPr>
+              <a:t>6</a:t>
+            </a:fld>
+            <a:endParaRPr kumimoji="0" lang="en-US" sz="1200" b="0" i="0" u="none" strike="noStrike" kern="0" cap="none" spc="0" normalizeH="0" baseline="0" noProof="0">
+              <a:ln>
+                <a:noFill/>
+              </a:ln>
+              <a:solidFill>
+                <a:srgbClr val="A0A1A0"/>
+              </a:solidFill>
+              <a:effectLst/>
+              <a:uLnTx/>
+              <a:uFillTx/>
+              <a:latin typeface="Arial"/>
+              <a:cs typeface="Arial"/>
+              <a:sym typeface="Arial"/>
+            </a:endParaRPr>
+          </a:p>
+        </p:txBody>
+      </p:sp>
+      <p:pic>
+        <p:nvPicPr>
+          <p:cNvPr id="6" name="Picture 5" descr="A screenshot of a cell phone&#10;&#10;Description automatically generated">
+            <a:extLst>
+              <a:ext uri="{FF2B5EF4-FFF2-40B4-BE49-F238E27FC236}">
+                <a16:creationId xmlns:a16="http://schemas.microsoft.com/office/drawing/2014/main" id="{6DE63F13-A792-4CF3-8022-381880E622E1}"/>
+              </a:ext>
+            </a:extLst>
+          </p:cNvPr>
+          <p:cNvPicPr>
+            <a:picLocks noChangeAspect="1"/>
+          </p:cNvPicPr>
+          <p:nvPr/>
+        </p:nvPicPr>
+        <p:blipFill>
+          <a:blip r:embed="rId2"/>
+          <a:stretch>
+            <a:fillRect/>
+          </a:stretch>
+        </p:blipFill>
+        <p:spPr>
+          <a:xfrm>
+            <a:off x="166900" y="1408528"/>
+            <a:ext cx="8810200" cy="4671797"/>
+          </a:xfrm>
+          <a:prstGeom prst="rect">
+            <a:avLst/>
+          </a:prstGeom>
+        </p:spPr>
+      </p:pic>
+    </p:spTree>
+    <p:extLst>
+      <p:ext uri="{BB962C8B-B14F-4D97-AF65-F5344CB8AC3E}">
+        <p14:creationId xmlns:p14="http://schemas.microsoft.com/office/powerpoint/2010/main" val="401115519"/>
+      </p:ext>
+    </p:extLst>
+  </p:cSld>
+  <p:clrMapOvr>
+    <a:masterClrMapping/>
+  </p:clrMapOvr>
+</p:sld>
+</file>
+
+<file path=ppt/slides/slide8.xml><?xml version="1.0" encoding="utf-8"?>
+<p:sld xmlns:a="http://schemas.openxmlformats.org/drawingml/2006/main" xmlns:r="http://schemas.openxmlformats.org/officeDocument/2006/relationships" xmlns:p="http://schemas.openxmlformats.org/presentationml/2006/main">
+  <p:cSld>
+    <p:spTree>
+      <p:nvGrpSpPr>
+        <p:cNvPr id="1" name="Shape 224"/>
+        <p:cNvGrpSpPr/>
+        <p:nvPr/>
+      </p:nvGrpSpPr>
+      <p:grpSpPr>
+        <a:xfrm>
+          <a:off x="0" y="0"/>
+          <a:ext cx="0" cy="0"/>
+          <a:chOff x="0" y="0"/>
+          <a:chExt cx="0" cy="0"/>
+        </a:xfrm>
+      </p:grpSpPr>
+      <p:sp>
+        <p:nvSpPr>
+          <p:cNvPr id="225" name="Google Shape;225;p17"/>
           <p:cNvSpPr txBox="1">
             <a:spLocks noGrp="1"/>
           </p:cNvSpPr>
@@ -32316,19 +33916,234 @@
                 <a:spcPts val="0"/>
               </a:spcAft>
               <a:buClr>
-                <a:schemeClr val="dk2"/>
+                <a:schemeClr val="lt1"/>
               </a:buClr>
               <a:buSzPts val="2400"/>
               <a:buFont typeface="Arial"/>
               <a:buNone/>
             </a:pPr>
-            <a:endParaRPr/>
+            <a:r>
+              <a:rPr lang="en-US" dirty="0"/>
+              <a:t>Collection Interface</a:t>
+            </a:r>
+            <a:endParaRPr dirty="0"/>
           </a:p>
         </p:txBody>
       </p:sp>
       <p:sp>
         <p:nvSpPr>
-          <p:cNvPr id="324" name="Google Shape;324;p31"/>
+          <p:cNvPr id="226" name="Google Shape;226;p17"/>
+          <p:cNvSpPr txBox="1">
+            <a:spLocks noGrp="1"/>
+          </p:cNvSpPr>
+          <p:nvPr>
+            <p:ph type="body" idx="1"/>
+          </p:nvPr>
+        </p:nvSpPr>
+        <p:spPr>
+          <a:xfrm>
+            <a:off x="380010" y="1481446"/>
+            <a:ext cx="8383980" cy="5111083"/>
+          </a:xfrm>
+          <a:prstGeom prst="rect">
+            <a:avLst/>
+          </a:prstGeom>
+          <a:noFill/>
+          <a:ln>
+            <a:noFill/>
+          </a:ln>
+        </p:spPr>
+        <p:txBody>
+          <a:bodyPr spcFirstLastPara="1" wrap="square" lIns="91425" tIns="45700" rIns="91425" bIns="45700" anchor="t" anchorCtr="0">
+            <a:noAutofit/>
+          </a:bodyPr>
+          <a:lstStyle/>
+          <a:p>
+            <a:pPr marL="342900" lvl="0" indent="-342900" algn="l" rtl="0">
+              <a:lnSpc>
+                <a:spcPct val="90000"/>
+              </a:lnSpc>
+              <a:spcBef>
+                <a:spcPts val="0"/>
+              </a:spcBef>
+              <a:spcAft>
+                <a:spcPts val="0"/>
+              </a:spcAft>
+              <a:buSzPts val="2590"/>
+              <a:buChar char="•"/>
+            </a:pPr>
+            <a:r>
+              <a:rPr lang="en-US" sz="2590" b="1" dirty="0" err="1"/>
+              <a:t>Iterable</a:t>
+            </a:r>
+            <a:r>
+              <a:rPr lang="en-US" sz="2590" dirty="0"/>
+              <a:t> – Everything can be “iterated through”. i.e. you can look at data within these items, one by one.</a:t>
+            </a:r>
+          </a:p>
+          <a:p>
+            <a:pPr marL="342900" lvl="0" indent="-342900" algn="l" rtl="0">
+              <a:lnSpc>
+                <a:spcPct val="90000"/>
+              </a:lnSpc>
+              <a:spcBef>
+                <a:spcPts val="0"/>
+              </a:spcBef>
+              <a:spcAft>
+                <a:spcPts val="0"/>
+              </a:spcAft>
+              <a:buSzPts val="2590"/>
+              <a:buChar char="•"/>
+            </a:pPr>
+            <a:r>
+              <a:rPr lang="en-US" sz="2590" b="1" dirty="0"/>
+              <a:t>Collection </a:t>
+            </a:r>
+            <a:r>
+              <a:rPr lang="en-US" sz="2590" dirty="0"/>
+              <a:t>– An Interface in Java that provides an architecture to store and manipulate objects</a:t>
+            </a:r>
+          </a:p>
+          <a:p>
+            <a:pPr marL="342900" lvl="0" indent="-342900" algn="l" rtl="0">
+              <a:lnSpc>
+                <a:spcPct val="90000"/>
+              </a:lnSpc>
+              <a:spcBef>
+                <a:spcPts val="0"/>
+              </a:spcBef>
+              <a:spcAft>
+                <a:spcPts val="0"/>
+              </a:spcAft>
+              <a:buSzPts val="2590"/>
+              <a:buChar char="•"/>
+            </a:pPr>
+            <a:r>
+              <a:rPr lang="en-US" sz="2590" b="1" dirty="0"/>
+              <a:t>Set</a:t>
+            </a:r>
+            <a:r>
+              <a:rPr lang="en-US" sz="2590" dirty="0"/>
+              <a:t> – A collection which cannot contain duplicate elements. </a:t>
+            </a:r>
+          </a:p>
+          <a:p>
+            <a:pPr marL="800100" lvl="1" indent="-342900">
+              <a:lnSpc>
+                <a:spcPct val="90000"/>
+              </a:lnSpc>
+              <a:spcBef>
+                <a:spcPts val="0"/>
+              </a:spcBef>
+              <a:buSzPts val="2590"/>
+              <a:buChar char="•"/>
+            </a:pPr>
+            <a:r>
+              <a:rPr lang="en-US" sz="2190" dirty="0"/>
+              <a:t>HashSet, </a:t>
+            </a:r>
+            <a:r>
+              <a:rPr lang="en-US" sz="2190" dirty="0" err="1"/>
+              <a:t>LinkedHashSet</a:t>
+            </a:r>
+            <a:r>
+              <a:rPr lang="en-US" sz="2190" dirty="0"/>
+              <a:t>, </a:t>
+            </a:r>
+            <a:r>
+              <a:rPr lang="en-US" sz="2190" dirty="0" err="1"/>
+              <a:t>SortedSet</a:t>
+            </a:r>
+            <a:endParaRPr lang="en-US" sz="2190" dirty="0"/>
+          </a:p>
+          <a:p>
+            <a:pPr marL="342900" lvl="0" indent="-342900" algn="l" rtl="0">
+              <a:lnSpc>
+                <a:spcPct val="90000"/>
+              </a:lnSpc>
+              <a:spcBef>
+                <a:spcPts val="0"/>
+              </a:spcBef>
+              <a:spcAft>
+                <a:spcPts val="0"/>
+              </a:spcAft>
+              <a:buSzPts val="2590"/>
+              <a:buChar char="•"/>
+            </a:pPr>
+            <a:r>
+              <a:rPr lang="en-US" sz="2590" b="1" dirty="0"/>
+              <a:t>Queue</a:t>
+            </a:r>
+            <a:r>
+              <a:rPr lang="en-US" sz="2590" dirty="0"/>
+              <a:t> – An ordered collection of objects which utilizes a First-in-first-out principle.</a:t>
+            </a:r>
+          </a:p>
+          <a:p>
+            <a:pPr marL="800100" lvl="1" indent="-342900">
+              <a:lnSpc>
+                <a:spcPct val="90000"/>
+              </a:lnSpc>
+              <a:spcBef>
+                <a:spcPts val="0"/>
+              </a:spcBef>
+              <a:buSzPts val="2590"/>
+              <a:buChar char="•"/>
+            </a:pPr>
+            <a:r>
+              <a:rPr lang="en-US" sz="2190" dirty="0"/>
+              <a:t>Priority Queue, Deque</a:t>
+            </a:r>
+          </a:p>
+          <a:p>
+            <a:pPr marL="342900" lvl="0" indent="-342900" algn="l" rtl="0">
+              <a:lnSpc>
+                <a:spcPct val="90000"/>
+              </a:lnSpc>
+              <a:spcBef>
+                <a:spcPts val="0"/>
+              </a:spcBef>
+              <a:spcAft>
+                <a:spcPts val="0"/>
+              </a:spcAft>
+              <a:buSzPts val="2590"/>
+              <a:buChar char="•"/>
+            </a:pPr>
+            <a:r>
+              <a:rPr lang="en-US" sz="2590" b="1" dirty="0"/>
+              <a:t>List</a:t>
+            </a:r>
+            <a:r>
+              <a:rPr lang="en-US" sz="2590" dirty="0"/>
+              <a:t> – An ordered collection of objects which utilizes indexes.</a:t>
+            </a:r>
+          </a:p>
+          <a:p>
+            <a:pPr marL="800100" lvl="1" indent="-342900">
+              <a:lnSpc>
+                <a:spcPct val="90000"/>
+              </a:lnSpc>
+              <a:spcBef>
+                <a:spcPts val="0"/>
+              </a:spcBef>
+              <a:buSzPts val="2590"/>
+              <a:buChar char="•"/>
+            </a:pPr>
+            <a:r>
+              <a:rPr lang="en-US" sz="2190" dirty="0" err="1"/>
+              <a:t>ArrayList</a:t>
+            </a:r>
+            <a:r>
+              <a:rPr lang="en-US" sz="2190" dirty="0"/>
+              <a:t>, Vector, LinkedList</a:t>
+            </a:r>
+            <a:endParaRPr sz="2190" dirty="0"/>
+          </a:p>
+        </p:txBody>
+      </p:sp>
+      <p:sp>
+        <p:nvSpPr>
+          <p:cNvPr id="227" name="Google Shape;227;p17"/>
           <p:cNvSpPr txBox="1">
             <a:spLocks noGrp="1"/>
           </p:cNvSpPr>
@@ -32355,24 +34170,501 @@
           </a:bodyPr>
           <a:lstStyle/>
           <a:p>
-            <a:pPr marL="0" lvl="0" indent="0" algn="r" rtl="0">
+            <a:pPr marL="0" marR="0" lvl="0" indent="0" algn="r" defTabSz="914400" rtl="0" eaLnBrk="1" fontAlgn="auto" latinLnBrk="0" hangingPunct="1">
+              <a:lnSpc>
+                <a:spcPct val="100000"/>
+              </a:lnSpc>
               <a:spcBef>
                 <a:spcPts val="0"/>
               </a:spcBef>
               <a:spcAft>
                 <a:spcPts val="0"/>
               </a:spcAft>
-              <a:buNone/>
+              <a:buClr>
+                <a:srgbClr val="000000"/>
+              </a:buClr>
+              <a:buSzTx/>
+              <a:buFont typeface="Arial"/>
+              <a:buNone/>
+              <a:tabLst/>
+              <a:defRPr/>
             </a:pPr>
             <a:fld id="{00000000-1234-1234-1234-123412341234}" type="slidenum">
-              <a:rPr lang="en-US"/>
+              <a:rPr kumimoji="0" lang="en-US" sz="1200" b="0" i="0" u="none" strike="noStrike" kern="0" cap="none" spc="0" normalizeH="0" baseline="0" noProof="0">
+                <a:ln>
+                  <a:noFill/>
+                </a:ln>
+                <a:solidFill>
+                  <a:srgbClr val="A0A1A0"/>
+                </a:solidFill>
+                <a:effectLst/>
+                <a:uLnTx/>
+                <a:uFillTx/>
+                <a:latin typeface="Arial"/>
+                <a:cs typeface="Arial"/>
+                <a:sym typeface="Arial"/>
+              </a:rPr>
+              <a:pPr marL="0" marR="0" lvl="0" indent="0" algn="r" defTabSz="914400" rtl="0" eaLnBrk="1" fontAlgn="auto" latinLnBrk="0" hangingPunct="1">
+                <a:lnSpc>
+                  <a:spcPct val="100000"/>
+                </a:lnSpc>
+                <a:spcBef>
+                  <a:spcPts val="0"/>
+                </a:spcBef>
+                <a:spcAft>
+                  <a:spcPts val="0"/>
+                </a:spcAft>
+                <a:buClr>
+                  <a:srgbClr val="000000"/>
+                </a:buClr>
+                <a:buSzTx/>
+                <a:buFont typeface="Arial"/>
+                <a:buNone/>
+                <a:tabLst/>
+                <a:defRPr/>
+              </a:pPr>
               <a:t>7</a:t>
             </a:fld>
-            <a:endParaRPr/>
+            <a:endParaRPr kumimoji="0" sz="1200" b="0" i="0" u="none" strike="noStrike" kern="0" cap="none" spc="0" normalizeH="0" baseline="0" noProof="0">
+              <a:ln>
+                <a:noFill/>
+              </a:ln>
+              <a:solidFill>
+                <a:srgbClr val="A0A1A0"/>
+              </a:solidFill>
+              <a:effectLst/>
+              <a:uLnTx/>
+              <a:uFillTx/>
+              <a:latin typeface="Arial"/>
+              <a:cs typeface="Arial"/>
+              <a:sym typeface="Arial"/>
+            </a:endParaRPr>
           </a:p>
         </p:txBody>
       </p:sp>
     </p:spTree>
+  </p:cSld>
+  <p:clrMapOvr>
+    <a:masterClrMapping/>
+  </p:clrMapOvr>
+</p:sld>
+</file>
+
+<file path=ppt/slides/slide9.xml><?xml version="1.0" encoding="utf-8"?>
+<p:sld xmlns:a="http://schemas.openxmlformats.org/drawingml/2006/main" xmlns:r="http://schemas.openxmlformats.org/officeDocument/2006/relationships" xmlns:p="http://schemas.openxmlformats.org/presentationml/2006/main">
+  <p:cSld>
+    <p:spTree>
+      <p:nvGrpSpPr>
+        <p:cNvPr id="1" name="Shape 224"/>
+        <p:cNvGrpSpPr/>
+        <p:nvPr/>
+      </p:nvGrpSpPr>
+      <p:grpSpPr>
+        <a:xfrm>
+          <a:off x="0" y="0"/>
+          <a:ext cx="0" cy="0"/>
+          <a:chOff x="0" y="0"/>
+          <a:chExt cx="0" cy="0"/>
+        </a:xfrm>
+      </p:grpSpPr>
+      <p:sp>
+        <p:nvSpPr>
+          <p:cNvPr id="225" name="Google Shape;225;p17"/>
+          <p:cNvSpPr txBox="1">
+            <a:spLocks noGrp="1"/>
+          </p:cNvSpPr>
+          <p:nvPr>
+            <p:ph type="title"/>
+          </p:nvPr>
+        </p:nvSpPr>
+        <p:spPr>
+          <a:xfrm>
+            <a:off x="380010" y="-4950"/>
+            <a:ext cx="6222671" cy="1224150"/>
+          </a:xfrm>
+          <a:prstGeom prst="rect">
+            <a:avLst/>
+          </a:prstGeom>
+          <a:noFill/>
+          <a:ln>
+            <a:noFill/>
+          </a:ln>
+        </p:spPr>
+        <p:txBody>
+          <a:bodyPr spcFirstLastPara="1" wrap="square" lIns="91425" tIns="45700" rIns="91425" bIns="45700" anchor="ctr" anchorCtr="0">
+            <a:noAutofit/>
+          </a:bodyPr>
+          <a:lstStyle/>
+          <a:p>
+            <a:pPr marL="0" lvl="0" indent="0" algn="l" rtl="0">
+              <a:spcBef>
+                <a:spcPts val="0"/>
+              </a:spcBef>
+              <a:spcAft>
+                <a:spcPts val="0"/>
+              </a:spcAft>
+              <a:buClr>
+                <a:schemeClr val="lt1"/>
+              </a:buClr>
+              <a:buSzPts val="2400"/>
+              <a:buFont typeface="Arial"/>
+              <a:buNone/>
+            </a:pPr>
+            <a:r>
+              <a:rPr lang="en-US" dirty="0"/>
+              <a:t>Lists</a:t>
+            </a:r>
+            <a:endParaRPr dirty="0"/>
+          </a:p>
+        </p:txBody>
+      </p:sp>
+      <p:sp>
+        <p:nvSpPr>
+          <p:cNvPr id="226" name="Google Shape;226;p17"/>
+          <p:cNvSpPr txBox="1">
+            <a:spLocks noGrp="1"/>
+          </p:cNvSpPr>
+          <p:nvPr>
+            <p:ph type="body" idx="1"/>
+          </p:nvPr>
+        </p:nvSpPr>
+        <p:spPr>
+          <a:xfrm>
+            <a:off x="380010" y="1481446"/>
+            <a:ext cx="8383980" cy="5111083"/>
+          </a:xfrm>
+          <a:prstGeom prst="rect">
+            <a:avLst/>
+          </a:prstGeom>
+          <a:noFill/>
+          <a:ln>
+            <a:noFill/>
+          </a:ln>
+        </p:spPr>
+        <p:txBody>
+          <a:bodyPr spcFirstLastPara="1" wrap="square" lIns="91425" tIns="45700" rIns="91425" bIns="45700" anchor="t" anchorCtr="0">
+            <a:noAutofit/>
+          </a:bodyPr>
+          <a:lstStyle/>
+          <a:p>
+            <a:pPr marL="342900" lvl="0" indent="-342900" algn="l" rtl="0">
+              <a:lnSpc>
+                <a:spcPct val="90000"/>
+              </a:lnSpc>
+              <a:spcBef>
+                <a:spcPts val="0"/>
+              </a:spcBef>
+              <a:spcAft>
+                <a:spcPts val="0"/>
+              </a:spcAft>
+              <a:buSzPts val="2590"/>
+              <a:buChar char="•"/>
+            </a:pPr>
+            <a:r>
+              <a:rPr lang="en-US" b="1" dirty="0"/>
+              <a:t>*</a:t>
+            </a:r>
+            <a:r>
+              <a:rPr lang="en-US" b="1" dirty="0" err="1"/>
+              <a:t>ArrayList</a:t>
+            </a:r>
+            <a:endParaRPr lang="en-US" b="1" dirty="0"/>
+          </a:p>
+          <a:p>
+            <a:pPr marL="800100" lvl="1" indent="-342900">
+              <a:lnSpc>
+                <a:spcPct val="90000"/>
+              </a:lnSpc>
+              <a:spcBef>
+                <a:spcPts val="0"/>
+              </a:spcBef>
+              <a:buSzPts val="2590"/>
+            </a:pPr>
+            <a:r>
+              <a:rPr lang="en-US" sz="2000" dirty="0"/>
+              <a:t>Implementation of List interface that uses a dynamic array to store elements.</a:t>
+            </a:r>
+          </a:p>
+          <a:p>
+            <a:pPr marL="800100" lvl="1" indent="-342900">
+              <a:lnSpc>
+                <a:spcPct val="90000"/>
+              </a:lnSpc>
+              <a:spcBef>
+                <a:spcPts val="0"/>
+              </a:spcBef>
+              <a:buSzPts val="2590"/>
+            </a:pPr>
+            <a:r>
+              <a:rPr lang="en-US" sz="2000" dirty="0"/>
+              <a:t>Not synchronized.</a:t>
+            </a:r>
+          </a:p>
+          <a:p>
+            <a:pPr marL="342900" lvl="0" indent="-342900" algn="l" rtl="0">
+              <a:lnSpc>
+                <a:spcPct val="90000"/>
+              </a:lnSpc>
+              <a:spcBef>
+                <a:spcPts val="0"/>
+              </a:spcBef>
+              <a:spcAft>
+                <a:spcPts val="0"/>
+              </a:spcAft>
+              <a:buSzPts val="2590"/>
+              <a:buChar char="•"/>
+            </a:pPr>
+            <a:r>
+              <a:rPr lang="en-US" b="1" dirty="0"/>
+              <a:t>Vector</a:t>
+            </a:r>
+          </a:p>
+          <a:p>
+            <a:pPr marL="800100" lvl="1" indent="-342900">
+              <a:lnSpc>
+                <a:spcPct val="90000"/>
+              </a:lnSpc>
+              <a:spcBef>
+                <a:spcPts val="0"/>
+              </a:spcBef>
+              <a:buSzPts val="2590"/>
+            </a:pPr>
+            <a:r>
+              <a:rPr lang="en-US" sz="2000" dirty="0"/>
+              <a:t>Similar to </a:t>
+            </a:r>
+            <a:r>
+              <a:rPr lang="en-US" sz="2000" dirty="0" err="1"/>
+              <a:t>ArrayList</a:t>
+            </a:r>
+            <a:r>
+              <a:rPr lang="en-US" sz="2000" dirty="0"/>
+              <a:t>; however, it is synchronized.</a:t>
+            </a:r>
+          </a:p>
+          <a:p>
+            <a:pPr marL="342900" lvl="0" indent="-342900" algn="l" rtl="0">
+              <a:lnSpc>
+                <a:spcPct val="90000"/>
+              </a:lnSpc>
+              <a:spcBef>
+                <a:spcPts val="0"/>
+              </a:spcBef>
+              <a:spcAft>
+                <a:spcPts val="0"/>
+              </a:spcAft>
+              <a:buSzPts val="2590"/>
+              <a:buChar char="•"/>
+            </a:pPr>
+            <a:r>
+              <a:rPr lang="en-US" b="1" dirty="0"/>
+              <a:t>*Stack</a:t>
+            </a:r>
+          </a:p>
+          <a:p>
+            <a:pPr marL="800100" lvl="1" indent="-342900">
+              <a:lnSpc>
+                <a:spcPct val="90000"/>
+              </a:lnSpc>
+              <a:spcBef>
+                <a:spcPts val="0"/>
+              </a:spcBef>
+              <a:buSzPts val="2590"/>
+            </a:pPr>
+            <a:r>
+              <a:rPr lang="en-US" sz="2000" dirty="0"/>
+              <a:t>Implementation of a Vector that processes data in a last-in, first-out order, like a stack of dinner plates.</a:t>
+            </a:r>
+          </a:p>
+          <a:p>
+            <a:pPr marL="342900" indent="-342900">
+              <a:lnSpc>
+                <a:spcPct val="90000"/>
+              </a:lnSpc>
+              <a:spcBef>
+                <a:spcPts val="0"/>
+              </a:spcBef>
+              <a:buSzPts val="2590"/>
+            </a:pPr>
+            <a:r>
+              <a:rPr lang="en-US" b="1" dirty="0"/>
+              <a:t>*LinkedList</a:t>
+            </a:r>
+          </a:p>
+          <a:p>
+            <a:pPr marL="800100" lvl="1" indent="-342900">
+              <a:lnSpc>
+                <a:spcPct val="90000"/>
+              </a:lnSpc>
+              <a:spcBef>
+                <a:spcPts val="0"/>
+              </a:spcBef>
+              <a:buSzPts val="2590"/>
+            </a:pPr>
+            <a:r>
+              <a:rPr lang="en-US" sz="2000" dirty="0"/>
+              <a:t>Implementation of the List interface that uses a doubly linked list to store the elements.</a:t>
+            </a:r>
+          </a:p>
+          <a:p>
+            <a:pPr marL="800100" lvl="1" indent="-342900">
+              <a:lnSpc>
+                <a:spcPct val="90000"/>
+              </a:lnSpc>
+              <a:spcBef>
+                <a:spcPts val="0"/>
+              </a:spcBef>
+              <a:buSzPts val="2590"/>
+            </a:pPr>
+            <a:endParaRPr lang="en-US" sz="2000" dirty="0"/>
+          </a:p>
+          <a:p>
+            <a:pPr marL="342900" indent="-342900">
+              <a:lnSpc>
+                <a:spcPct val="90000"/>
+              </a:lnSpc>
+              <a:spcBef>
+                <a:spcPts val="0"/>
+              </a:spcBef>
+              <a:buSzPts val="2590"/>
+            </a:pPr>
+            <a:r>
+              <a:rPr lang="en-US" sz="2400" dirty="0"/>
+              <a:t>Lists use the </a:t>
+            </a:r>
+            <a:r>
+              <a:rPr lang="en-US" sz="2400" dirty="0">
+                <a:latin typeface="Courier New" panose="02070309020205020404" pitchFamily="49" charset="0"/>
+                <a:cs typeface="Courier New" panose="02070309020205020404" pitchFamily="49" charset="0"/>
+              </a:rPr>
+              <a:t>add() </a:t>
+            </a:r>
+            <a:r>
+              <a:rPr lang="en-US" sz="2400" dirty="0"/>
+              <a:t>method to add new information to the list, and the </a:t>
+            </a:r>
+            <a:r>
+              <a:rPr lang="en-US" sz="2400" dirty="0">
+                <a:latin typeface="Courier New" panose="02070309020205020404" pitchFamily="49" charset="0"/>
+                <a:cs typeface="Courier New" panose="02070309020205020404" pitchFamily="49" charset="0"/>
+              </a:rPr>
+              <a:t>remove() </a:t>
+            </a:r>
+            <a:r>
+              <a:rPr lang="en-US" sz="2400" dirty="0"/>
+              <a:t>method to remove information.</a:t>
+            </a:r>
+            <a:endParaRPr sz="2400" dirty="0"/>
+          </a:p>
+        </p:txBody>
+      </p:sp>
+      <p:sp>
+        <p:nvSpPr>
+          <p:cNvPr id="227" name="Google Shape;227;p17"/>
+          <p:cNvSpPr txBox="1">
+            <a:spLocks noGrp="1"/>
+          </p:cNvSpPr>
+          <p:nvPr>
+            <p:ph type="sldNum" idx="12"/>
+          </p:nvPr>
+        </p:nvSpPr>
+        <p:spPr>
+          <a:xfrm>
+            <a:off x="8122757" y="6363712"/>
+            <a:ext cx="861671" cy="365125"/>
+          </a:xfrm>
+          <a:prstGeom prst="rect">
+            <a:avLst/>
+          </a:prstGeom>
+          <a:noFill/>
+          <a:ln>
+            <a:noFill/>
+          </a:ln>
+        </p:spPr>
+        <p:txBody>
+          <a:bodyPr spcFirstLastPara="1" wrap="square" lIns="91425" tIns="45700" rIns="91425" bIns="45700" anchor="ctr" anchorCtr="0">
+            <a:noAutofit/>
+          </a:bodyPr>
+          <a:lstStyle/>
+          <a:p>
+            <a:pPr marL="0" marR="0" lvl="0" indent="0" algn="r" defTabSz="914400" rtl="0" eaLnBrk="1" fontAlgn="auto" latinLnBrk="0" hangingPunct="1">
+              <a:lnSpc>
+                <a:spcPct val="100000"/>
+              </a:lnSpc>
+              <a:spcBef>
+                <a:spcPts val="0"/>
+              </a:spcBef>
+              <a:spcAft>
+                <a:spcPts val="0"/>
+              </a:spcAft>
+              <a:buClr>
+                <a:srgbClr val="000000"/>
+              </a:buClr>
+              <a:buSzTx/>
+              <a:buFont typeface="Arial"/>
+              <a:buNone/>
+              <a:tabLst/>
+              <a:defRPr/>
+            </a:pPr>
+            <a:fld id="{00000000-1234-1234-1234-123412341234}" type="slidenum">
+              <a:rPr kumimoji="0" lang="en-US" sz="1200" b="0" i="0" u="none" strike="noStrike" kern="0" cap="none" spc="0" normalizeH="0" baseline="0" noProof="0">
+                <a:ln>
+                  <a:noFill/>
+                </a:ln>
+                <a:solidFill>
+                  <a:srgbClr val="A0A1A0"/>
+                </a:solidFill>
+                <a:effectLst/>
+                <a:uLnTx/>
+                <a:uFillTx/>
+                <a:latin typeface="Arial"/>
+                <a:cs typeface="Arial"/>
+                <a:sym typeface="Arial"/>
+              </a:rPr>
+              <a:pPr marL="0" marR="0" lvl="0" indent="0" algn="r" defTabSz="914400" rtl="0" eaLnBrk="1" fontAlgn="auto" latinLnBrk="0" hangingPunct="1">
+                <a:lnSpc>
+                  <a:spcPct val="100000"/>
+                </a:lnSpc>
+                <a:spcBef>
+                  <a:spcPts val="0"/>
+                </a:spcBef>
+                <a:spcAft>
+                  <a:spcPts val="0"/>
+                </a:spcAft>
+                <a:buClr>
+                  <a:srgbClr val="000000"/>
+                </a:buClr>
+                <a:buSzTx/>
+                <a:buFont typeface="Arial"/>
+                <a:buNone/>
+                <a:tabLst/>
+                <a:defRPr/>
+              </a:pPr>
+              <a:t>8</a:t>
+            </a:fld>
+            <a:endParaRPr kumimoji="0" sz="1200" b="0" i="0" u="none" strike="noStrike" kern="0" cap="none" spc="0" normalizeH="0" baseline="0" noProof="0">
+              <a:ln>
+                <a:noFill/>
+              </a:ln>
+              <a:solidFill>
+                <a:srgbClr val="A0A1A0"/>
+              </a:solidFill>
+              <a:effectLst/>
+              <a:uLnTx/>
+              <a:uFillTx/>
+              <a:latin typeface="Arial"/>
+              <a:cs typeface="Arial"/>
+              <a:sym typeface="Arial"/>
+            </a:endParaRPr>
+          </a:p>
+        </p:txBody>
+      </p:sp>
+    </p:spTree>
+    <p:extLst>
+      <p:ext uri="{BB962C8B-B14F-4D97-AF65-F5344CB8AC3E}">
+        <p14:creationId xmlns:p14="http://schemas.microsoft.com/office/powerpoint/2010/main" val="2259597624"/>
+      </p:ext>
+    </p:extLst>
   </p:cSld>
   <p:clrMapOvr>
     <a:masterClrMapping/>

--- a/powerpoints/Day_16.pptx
+++ b/powerpoints/Day_16.pptx
@@ -33529,23 +33529,7 @@
                 <a:latin typeface="Courier New" panose="02070309020205020404" pitchFamily="49" charset="0"/>
                 <a:cs typeface="Courier New" panose="02070309020205020404" pitchFamily="49" charset="0"/>
               </a:rPr>
-              <a:t>		}</a:t>
-            </a:r>
-          </a:p>
-          <a:p>
-            <a:pPr marL="0" indent="0" defTabSz="228600">
-              <a:spcBef>
-                <a:spcPts val="0"/>
-              </a:spcBef>
-              <a:buFont typeface="Arial"/>
-              <a:buNone/>
-            </a:pPr>
-            <a:r>
-              <a:rPr lang="en-US" sz="1100" dirty="0">
-                <a:latin typeface="Courier New" panose="02070309020205020404" pitchFamily="49" charset="0"/>
-                <a:cs typeface="Courier New" panose="02070309020205020404" pitchFamily="49" charset="0"/>
-              </a:rPr>
-              <a:t>		s += "null"; </a:t>
+              <a:t>		} </a:t>
             </a:r>
           </a:p>
           <a:p>
